--- a/PPT1.pptx
+++ b/PPT1.pptx
@@ -20,7 +20,29 @@
     <p:sldId id="268" r:id="rId14"/>
     <p:sldId id="269" r:id="rId15"/>
     <p:sldId id="270" r:id="rId16"/>
-    <p:sldId id="271" r:id="rId17"/>
+    <p:sldId id="272" r:id="rId17"/>
+    <p:sldId id="273" r:id="rId18"/>
+    <p:sldId id="271" r:id="rId19"/>
+    <p:sldId id="274" r:id="rId20"/>
+    <p:sldId id="275" r:id="rId21"/>
+    <p:sldId id="281" r:id="rId22"/>
+    <p:sldId id="276" r:id="rId23"/>
+    <p:sldId id="277" r:id="rId24"/>
+    <p:sldId id="278" r:id="rId25"/>
+    <p:sldId id="279" r:id="rId26"/>
+    <p:sldId id="280" r:id="rId27"/>
+    <p:sldId id="282" r:id="rId28"/>
+    <p:sldId id="283" r:id="rId29"/>
+    <p:sldId id="285" r:id="rId30"/>
+    <p:sldId id="286" r:id="rId31"/>
+    <p:sldId id="292" r:id="rId32"/>
+    <p:sldId id="289" r:id="rId33"/>
+    <p:sldId id="290" r:id="rId34"/>
+    <p:sldId id="291" r:id="rId35"/>
+    <p:sldId id="293" r:id="rId36"/>
+    <p:sldId id="294" r:id="rId37"/>
+    <p:sldId id="295" r:id="rId38"/>
+    <p:sldId id="296" r:id="rId39"/>
   </p:sldIdLst>
   <p:sldSz cx="12192000" cy="6858000"/>
   <p:notesSz cx="6858000" cy="9144000"/>
@@ -274,7 +296,7 @@
           <a:p>
             <a:fld id="{96BDF78D-63C7-4142-91D1-853BCA9DCE4F}" type="datetimeFigureOut">
               <a:rPr lang="en-US" smtClean="0"/>
-              <a:t>9/18/2025</a:t>
+              <a:t>9/20/2025</a:t>
             </a:fld>
             <a:endParaRPr lang="en-US"/>
           </a:p>
@@ -472,7 +494,7 @@
           <a:p>
             <a:fld id="{96BDF78D-63C7-4142-91D1-853BCA9DCE4F}" type="datetimeFigureOut">
               <a:rPr lang="en-US" smtClean="0"/>
-              <a:t>9/18/2025</a:t>
+              <a:t>9/20/2025</a:t>
             </a:fld>
             <a:endParaRPr lang="en-US"/>
           </a:p>
@@ -680,7 +702,7 @@
           <a:p>
             <a:fld id="{96BDF78D-63C7-4142-91D1-853BCA9DCE4F}" type="datetimeFigureOut">
               <a:rPr lang="en-US" smtClean="0"/>
-              <a:t>9/18/2025</a:t>
+              <a:t>9/20/2025</a:t>
             </a:fld>
             <a:endParaRPr lang="en-US"/>
           </a:p>
@@ -878,7 +900,7 @@
           <a:p>
             <a:fld id="{96BDF78D-63C7-4142-91D1-853BCA9DCE4F}" type="datetimeFigureOut">
               <a:rPr lang="en-US" smtClean="0"/>
-              <a:t>9/18/2025</a:t>
+              <a:t>9/20/2025</a:t>
             </a:fld>
             <a:endParaRPr lang="en-US"/>
           </a:p>
@@ -1153,7 +1175,7 @@
           <a:p>
             <a:fld id="{96BDF78D-63C7-4142-91D1-853BCA9DCE4F}" type="datetimeFigureOut">
               <a:rPr lang="en-US" smtClean="0"/>
-              <a:t>9/18/2025</a:t>
+              <a:t>9/20/2025</a:t>
             </a:fld>
             <a:endParaRPr lang="en-US"/>
           </a:p>
@@ -1418,7 +1440,7 @@
           <a:p>
             <a:fld id="{96BDF78D-63C7-4142-91D1-853BCA9DCE4F}" type="datetimeFigureOut">
               <a:rPr lang="en-US" smtClean="0"/>
-              <a:t>9/18/2025</a:t>
+              <a:t>9/20/2025</a:t>
             </a:fld>
             <a:endParaRPr lang="en-US"/>
           </a:p>
@@ -1830,7 +1852,7 @@
           <a:p>
             <a:fld id="{96BDF78D-63C7-4142-91D1-853BCA9DCE4F}" type="datetimeFigureOut">
               <a:rPr lang="en-US" smtClean="0"/>
-              <a:t>9/18/2025</a:t>
+              <a:t>9/20/2025</a:t>
             </a:fld>
             <a:endParaRPr lang="en-US"/>
           </a:p>
@@ -1971,7 +1993,7 @@
           <a:p>
             <a:fld id="{96BDF78D-63C7-4142-91D1-853BCA9DCE4F}" type="datetimeFigureOut">
               <a:rPr lang="en-US" smtClean="0"/>
-              <a:t>9/18/2025</a:t>
+              <a:t>9/20/2025</a:t>
             </a:fld>
             <a:endParaRPr lang="en-US"/>
           </a:p>
@@ -2084,7 +2106,7 @@
           <a:p>
             <a:fld id="{96BDF78D-63C7-4142-91D1-853BCA9DCE4F}" type="datetimeFigureOut">
               <a:rPr lang="en-US" smtClean="0"/>
-              <a:t>9/18/2025</a:t>
+              <a:t>9/20/2025</a:t>
             </a:fld>
             <a:endParaRPr lang="en-US"/>
           </a:p>
@@ -2395,7 +2417,7 @@
           <a:p>
             <a:fld id="{96BDF78D-63C7-4142-91D1-853BCA9DCE4F}" type="datetimeFigureOut">
               <a:rPr lang="en-US" smtClean="0"/>
-              <a:t>9/18/2025</a:t>
+              <a:t>9/20/2025</a:t>
             </a:fld>
             <a:endParaRPr lang="en-US"/>
           </a:p>
@@ -2683,7 +2705,7 @@
           <a:p>
             <a:fld id="{96BDF78D-63C7-4142-91D1-853BCA9DCE4F}" type="datetimeFigureOut">
               <a:rPr lang="en-US" smtClean="0"/>
-              <a:t>9/18/2025</a:t>
+              <a:t>9/20/2025</a:t>
             </a:fld>
             <a:endParaRPr lang="en-US"/>
           </a:p>
@@ -2924,7 +2946,7 @@
           <a:p>
             <a:fld id="{96BDF78D-63C7-4142-91D1-853BCA9DCE4F}" type="datetimeFigureOut">
               <a:rPr lang="en-US" smtClean="0"/>
-              <a:t>9/18/2025</a:t>
+              <a:t>9/20/2025</a:t>
             </a:fld>
             <a:endParaRPr lang="en-US"/>
           </a:p>
@@ -5375,6 +5397,412 @@
           <a:chExt cx="0" cy="0"/>
         </a:xfrm>
       </p:grpSpPr>
+      <p:sp>
+        <p:nvSpPr>
+          <p:cNvPr id="2" name="Title 1">
+            <a:extLst>
+              <a:ext uri="{FF2B5EF4-FFF2-40B4-BE49-F238E27FC236}">
+                <a16:creationId xmlns:a16="http://schemas.microsoft.com/office/drawing/2014/main" id="{1F733171-3805-424E-C733-626EA9C24A55}"/>
+              </a:ext>
+            </a:extLst>
+          </p:cNvPr>
+          <p:cNvSpPr>
+            <a:spLocks noGrp="1"/>
+          </p:cNvSpPr>
+          <p:nvPr>
+            <p:ph type="title"/>
+          </p:nvPr>
+        </p:nvSpPr>
+        <p:spPr/>
+        <p:txBody>
+          <a:bodyPr>
+            <a:normAutofit/>
+          </a:bodyPr>
+          <a:lstStyle/>
+          <a:p>
+            <a:r>
+              <a:rPr lang="en-US" sz="3600" dirty="0"/>
+              <a:t>Key States of Objects in Hibernate</a:t>
+            </a:r>
+            <a:br>
+              <a:rPr lang="en-US" sz="3600" dirty="0"/>
+            </a:br>
+            <a:endParaRPr lang="en-US" sz="3600" dirty="0"/>
+          </a:p>
+        </p:txBody>
+      </p:sp>
+      <p:sp>
+        <p:nvSpPr>
+          <p:cNvPr id="3" name="Content Placeholder 2">
+            <a:extLst>
+              <a:ext uri="{FF2B5EF4-FFF2-40B4-BE49-F238E27FC236}">
+                <a16:creationId xmlns:a16="http://schemas.microsoft.com/office/drawing/2014/main" id="{D30E3573-6809-3EC7-41E7-C985B03C80FA}"/>
+              </a:ext>
+            </a:extLst>
+          </p:cNvPr>
+          <p:cNvSpPr>
+            <a:spLocks noGrp="1"/>
+          </p:cNvSpPr>
+          <p:nvPr>
+            <p:ph idx="1"/>
+          </p:nvPr>
+        </p:nvSpPr>
+        <p:spPr>
+          <a:xfrm>
+            <a:off x="838200" y="1237673"/>
+            <a:ext cx="10515600" cy="4939290"/>
+          </a:xfrm>
+        </p:spPr>
+        <p:txBody>
+          <a:bodyPr>
+            <a:normAutofit/>
+          </a:bodyPr>
+          <a:lstStyle/>
+          <a:p>
+            <a:pPr marL="514350" lvl="0" indent="-514350">
+              <a:buAutoNum type="arabicPeriod"/>
+            </a:pPr>
+            <a:endParaRPr lang="en-US" sz="2200" dirty="0"/>
+          </a:p>
+          <a:p>
+            <a:pPr marL="514350" lvl="0" indent="-514350">
+              <a:buAutoNum type="arabicPeriod"/>
+            </a:pPr>
+            <a:r>
+              <a:rPr lang="en-US" sz="2200" dirty="0"/>
+              <a:t>Transient Object:</a:t>
+            </a:r>
+          </a:p>
+          <a:p>
+            <a:pPr marL="0" lvl="0" indent="0">
+              <a:buNone/>
+            </a:pPr>
+            <a:endParaRPr lang="en-US" sz="2200" dirty="0"/>
+          </a:p>
+          <a:p>
+            <a:pPr lvl="1"/>
+            <a:r>
+              <a:rPr lang="en-US" sz="2200" dirty="0"/>
+              <a:t>Not associated with any database or Hibernate session.</a:t>
+            </a:r>
+          </a:p>
+          <a:p>
+            <a:pPr lvl="1"/>
+            <a:r>
+              <a:rPr lang="en-US" sz="2200" dirty="0"/>
+              <a:t>Exists in Java memory, but no database representation.</a:t>
+            </a:r>
+          </a:p>
+          <a:p>
+            <a:pPr lvl="1"/>
+            <a:endParaRPr lang="en-US" sz="2200" dirty="0"/>
+          </a:p>
+          <a:p>
+            <a:pPr lvl="1"/>
+            <a:r>
+              <a:rPr lang="en-US" sz="2200" dirty="0"/>
+              <a:t>Example:</a:t>
+            </a:r>
+          </a:p>
+          <a:p>
+            <a:pPr marL="0" indent="0">
+              <a:buNone/>
+            </a:pPr>
+            <a:r>
+              <a:rPr lang="en-US" sz="2200" dirty="0"/>
+              <a:t>	Student student = new Student();</a:t>
+            </a:r>
+          </a:p>
+          <a:p>
+            <a:pPr marL="0" indent="0">
+              <a:buNone/>
+            </a:pPr>
+            <a:r>
+              <a:rPr lang="en-US" sz="2200" dirty="0"/>
+              <a:t>	</a:t>
+            </a:r>
+            <a:r>
+              <a:rPr lang="en-US" sz="2200" dirty="0" err="1"/>
+              <a:t>student.setName</a:t>
+            </a:r>
+            <a:r>
+              <a:rPr lang="en-US" sz="2200" dirty="0"/>
+              <a:t>("John");</a:t>
+            </a:r>
+          </a:p>
+          <a:p>
+            <a:pPr marL="0" indent="0">
+              <a:buNone/>
+            </a:pPr>
+            <a:r>
+              <a:rPr lang="en-US" sz="2200" dirty="0"/>
+              <a:t>	</a:t>
+            </a:r>
+            <a:r>
+              <a:rPr lang="en-US" sz="2200" dirty="0" err="1"/>
+              <a:t>student.setEmail</a:t>
+            </a:r>
+            <a:r>
+              <a:rPr lang="en-US" sz="2200" dirty="0"/>
+              <a:t>("john@example.com");</a:t>
+            </a:r>
+          </a:p>
+          <a:p>
+            <a:endParaRPr lang="en-US" sz="2200" dirty="0"/>
+          </a:p>
+        </p:txBody>
+      </p:sp>
+    </p:spTree>
+    <p:extLst>
+      <p:ext uri="{BB962C8B-B14F-4D97-AF65-F5344CB8AC3E}">
+        <p14:creationId xmlns:p14="http://schemas.microsoft.com/office/powerpoint/2010/main" val="1270094928"/>
+      </p:ext>
+    </p:extLst>
+  </p:cSld>
+  <p:clrMapOvr>
+    <a:masterClrMapping/>
+  </p:clrMapOvr>
+</p:sld>
+</file>
+
+<file path=ppt/slides/slide17.xml><?xml version="1.0" encoding="utf-8"?>
+<p:sld xmlns:a="http://schemas.openxmlformats.org/drawingml/2006/main" xmlns:r="http://schemas.openxmlformats.org/officeDocument/2006/relationships" xmlns:p="http://schemas.openxmlformats.org/presentationml/2006/main">
+  <p:cSld>
+    <p:spTree>
+      <p:nvGrpSpPr>
+        <p:cNvPr id="1" name=""/>
+        <p:cNvGrpSpPr/>
+        <p:nvPr/>
+      </p:nvGrpSpPr>
+      <p:grpSpPr>
+        <a:xfrm>
+          <a:off x="0" y="0"/>
+          <a:ext cx="0" cy="0"/>
+          <a:chOff x="0" y="0"/>
+          <a:chExt cx="0" cy="0"/>
+        </a:xfrm>
+      </p:grpSpPr>
+      <p:sp>
+        <p:nvSpPr>
+          <p:cNvPr id="3" name="Content Placeholder 2">
+            <a:extLst>
+              <a:ext uri="{FF2B5EF4-FFF2-40B4-BE49-F238E27FC236}">
+                <a16:creationId xmlns:a16="http://schemas.microsoft.com/office/drawing/2014/main" id="{8B990BF1-11F9-1871-D45E-39502D9619AE}"/>
+              </a:ext>
+            </a:extLst>
+          </p:cNvPr>
+          <p:cNvSpPr>
+            <a:spLocks noGrp="1"/>
+          </p:cNvSpPr>
+          <p:nvPr>
+            <p:ph idx="1"/>
+          </p:nvPr>
+        </p:nvSpPr>
+        <p:spPr>
+          <a:xfrm>
+            <a:off x="838200" y="581891"/>
+            <a:ext cx="10515600" cy="5595072"/>
+          </a:xfrm>
+        </p:spPr>
+        <p:txBody>
+          <a:bodyPr>
+            <a:normAutofit/>
+          </a:bodyPr>
+          <a:lstStyle/>
+          <a:p>
+            <a:pPr marL="0" lvl="0" indent="0">
+              <a:buNone/>
+            </a:pPr>
+            <a:r>
+              <a:rPr lang="en-US" sz="2200" dirty="0"/>
+              <a:t>2. Persistent Object:</a:t>
+            </a:r>
+          </a:p>
+          <a:p>
+            <a:pPr lvl="1"/>
+            <a:r>
+              <a:rPr lang="en-US" sz="2200" dirty="0"/>
+              <a:t>Associated with a Hibernate session and database.</a:t>
+            </a:r>
+          </a:p>
+          <a:p>
+            <a:pPr lvl="1"/>
+            <a:r>
+              <a:rPr lang="en-US" sz="2200" dirty="0"/>
+              <a:t>Any changes are tracked by Hibernate and updated in the database automatically.</a:t>
+            </a:r>
+          </a:p>
+          <a:p>
+            <a:pPr lvl="1"/>
+            <a:r>
+              <a:rPr lang="en-US" sz="2200" dirty="0"/>
+              <a:t>An instance of a Java class that represents a table row in a database.</a:t>
+            </a:r>
+          </a:p>
+          <a:p>
+            <a:pPr lvl="1"/>
+            <a:r>
+              <a:rPr lang="en-US" sz="2200" dirty="0"/>
+              <a:t>Example:</a:t>
+            </a:r>
+          </a:p>
+          <a:p>
+            <a:pPr marL="914400" lvl="2" indent="0">
+              <a:buNone/>
+            </a:pPr>
+            <a:r>
+              <a:rPr lang="en-US" sz="2200" dirty="0"/>
+              <a:t>Session session = </a:t>
+            </a:r>
+            <a:r>
+              <a:rPr lang="en-US" sz="2200" dirty="0" err="1"/>
+              <a:t>HibernateUtil.getSessionFactory</a:t>
+            </a:r>
+            <a:r>
+              <a:rPr lang="en-US" sz="2200" dirty="0"/>
+              <a:t>().</a:t>
+            </a:r>
+            <a:r>
+              <a:rPr lang="en-US" sz="2200" dirty="0" err="1"/>
+              <a:t>openSession</a:t>
+            </a:r>
+            <a:r>
+              <a:rPr lang="en-US" sz="2200" dirty="0"/>
+              <a:t>();</a:t>
+            </a:r>
+          </a:p>
+          <a:p>
+            <a:pPr marL="914400" lvl="2" indent="0">
+              <a:buNone/>
+            </a:pPr>
+            <a:r>
+              <a:rPr lang="en-US" sz="2200" dirty="0" err="1"/>
+              <a:t>session.beginTransaction</a:t>
+            </a:r>
+            <a:r>
+              <a:rPr lang="en-US" sz="2200" dirty="0"/>
+              <a:t>();</a:t>
+            </a:r>
+          </a:p>
+          <a:p>
+            <a:pPr marL="914400" lvl="2" indent="0">
+              <a:buNone/>
+            </a:pPr>
+            <a:r>
+              <a:rPr lang="en-US" sz="2200" dirty="0" err="1"/>
+              <a:t>session.save</a:t>
+            </a:r>
+            <a:r>
+              <a:rPr lang="en-US" sz="2200" dirty="0"/>
+              <a:t>(student); // 'student' becomes persistent</a:t>
+            </a:r>
+          </a:p>
+          <a:p>
+            <a:pPr marL="914400" lvl="2" indent="0">
+              <a:buNone/>
+            </a:pPr>
+            <a:r>
+              <a:rPr lang="en-US" sz="2200" dirty="0" err="1"/>
+              <a:t>student.setName</a:t>
+            </a:r>
+            <a:r>
+              <a:rPr lang="en-US" sz="2200" dirty="0"/>
+              <a:t>("John Doe"); // Tracked by Hibernate, will update DB</a:t>
+            </a:r>
+          </a:p>
+          <a:p>
+            <a:pPr marL="914400" lvl="2" indent="0">
+              <a:buNone/>
+            </a:pPr>
+            <a:r>
+              <a:rPr lang="en-US" sz="2200" dirty="0" err="1"/>
+              <a:t>session.getTransaction</a:t>
+            </a:r>
+            <a:r>
+              <a:rPr lang="en-US" sz="2200" dirty="0"/>
+              <a:t>().commit();</a:t>
+            </a:r>
+          </a:p>
+          <a:p>
+            <a:pPr marL="914400" lvl="2" indent="0">
+              <a:buNone/>
+            </a:pPr>
+            <a:r>
+              <a:rPr lang="en-US" sz="2200" dirty="0" err="1"/>
+              <a:t>session.close</a:t>
+            </a:r>
+            <a:r>
+              <a:rPr lang="en-US" sz="2200" dirty="0"/>
+              <a:t>();</a:t>
+            </a:r>
+          </a:p>
+          <a:p>
+            <a:pPr marL="914400" lvl="2" indent="0">
+              <a:buNone/>
+            </a:pPr>
+            <a:endParaRPr lang="en-US" sz="2200" dirty="0"/>
+          </a:p>
+          <a:p>
+            <a:pPr marL="0" lvl="0" indent="0">
+              <a:buNone/>
+            </a:pPr>
+            <a:r>
+              <a:rPr lang="en-US" sz="2200" dirty="0"/>
+              <a:t>3. Detached Object:</a:t>
+            </a:r>
+          </a:p>
+          <a:p>
+            <a:pPr lvl="1"/>
+            <a:r>
+              <a:rPr lang="en-US" sz="2200" dirty="0"/>
+              <a:t>Previously a persistent object, but its session is closed.</a:t>
+            </a:r>
+          </a:p>
+          <a:p>
+            <a:pPr lvl="1"/>
+            <a:r>
+              <a:rPr lang="en-US" sz="2200" dirty="0"/>
+              <a:t>No longer tracked by Hibernate.</a:t>
+            </a:r>
+          </a:p>
+          <a:p>
+            <a:pPr marL="0" indent="0">
+              <a:buNone/>
+            </a:pPr>
+            <a:endParaRPr lang="en-US" sz="2200" dirty="0"/>
+          </a:p>
+        </p:txBody>
+      </p:sp>
+    </p:spTree>
+    <p:extLst>
+      <p:ext uri="{BB962C8B-B14F-4D97-AF65-F5344CB8AC3E}">
+        <p14:creationId xmlns:p14="http://schemas.microsoft.com/office/powerpoint/2010/main" val="3502444789"/>
+      </p:ext>
+    </p:extLst>
+  </p:cSld>
+  <p:clrMapOvr>
+    <a:masterClrMapping/>
+  </p:clrMapOvr>
+</p:sld>
+</file>
+
+<file path=ppt/slides/slide18.xml><?xml version="1.0" encoding="utf-8"?>
+<p:sld xmlns:a="http://schemas.openxmlformats.org/drawingml/2006/main" xmlns:r="http://schemas.openxmlformats.org/officeDocument/2006/relationships" xmlns:p="http://schemas.openxmlformats.org/presentationml/2006/main">
+  <p:cSld>
+    <p:spTree>
+      <p:nvGrpSpPr>
+        <p:cNvPr id="1" name=""/>
+        <p:cNvGrpSpPr/>
+        <p:nvPr/>
+      </p:nvGrpSpPr>
+      <p:grpSpPr>
+        <a:xfrm>
+          <a:off x="0" y="0"/>
+          <a:ext cx="0" cy="0"/>
+          <a:chOff x="0" y="0"/>
+          <a:chExt cx="0" cy="0"/>
+        </a:xfrm>
+      </p:grpSpPr>
       <p:pic>
         <p:nvPicPr>
           <p:cNvPr id="4" name="Content Placeholder 3">
@@ -5453,6 +5881,110 @@
     <p:extLst>
       <p:ext uri="{BB962C8B-B14F-4D97-AF65-F5344CB8AC3E}">
         <p14:creationId xmlns:p14="http://schemas.microsoft.com/office/powerpoint/2010/main" val="2274528947"/>
+      </p:ext>
+    </p:extLst>
+  </p:cSld>
+  <p:clrMapOvr>
+    <a:masterClrMapping/>
+  </p:clrMapOvr>
+</p:sld>
+</file>
+
+<file path=ppt/slides/slide19.xml><?xml version="1.0" encoding="utf-8"?>
+<p:sld xmlns:a="http://schemas.openxmlformats.org/drawingml/2006/main" xmlns:r="http://schemas.openxmlformats.org/officeDocument/2006/relationships" xmlns:p="http://schemas.openxmlformats.org/presentationml/2006/main">
+  <p:cSld>
+    <p:spTree>
+      <p:nvGrpSpPr>
+        <p:cNvPr id="1" name=""/>
+        <p:cNvGrpSpPr/>
+        <p:nvPr/>
+      </p:nvGrpSpPr>
+      <p:grpSpPr>
+        <a:xfrm>
+          <a:off x="0" y="0"/>
+          <a:ext cx="0" cy="0"/>
+          <a:chOff x="0" y="0"/>
+          <a:chExt cx="0" cy="0"/>
+        </a:xfrm>
+      </p:grpSpPr>
+      <p:sp>
+        <p:nvSpPr>
+          <p:cNvPr id="2" name="Title 1">
+            <a:extLst>
+              <a:ext uri="{FF2B5EF4-FFF2-40B4-BE49-F238E27FC236}">
+                <a16:creationId xmlns:a16="http://schemas.microsoft.com/office/drawing/2014/main" id="{A75563BA-B37C-2974-6115-3ADD51F7C9E5}"/>
+              </a:ext>
+            </a:extLst>
+          </p:cNvPr>
+          <p:cNvSpPr>
+            <a:spLocks noGrp="1"/>
+          </p:cNvSpPr>
+          <p:nvPr>
+            <p:ph type="title"/>
+          </p:nvPr>
+        </p:nvSpPr>
+        <p:spPr/>
+        <p:txBody>
+          <a:bodyPr>
+            <a:normAutofit/>
+          </a:bodyPr>
+          <a:lstStyle/>
+          <a:p>
+            <a:r>
+              <a:rPr lang="en-US" sz="3600" dirty="0"/>
+              <a:t>More About Hibernate Architecture: </a:t>
+            </a:r>
+            <a:br>
+              <a:rPr lang="en-US" sz="3600" dirty="0"/>
+            </a:br>
+            <a:endParaRPr lang="en-US" sz="3600" dirty="0"/>
+          </a:p>
+        </p:txBody>
+      </p:sp>
+      <p:pic>
+        <p:nvPicPr>
+          <p:cNvPr id="4" name="Content Placeholder 3">
+            <a:extLst>
+              <a:ext uri="{FF2B5EF4-FFF2-40B4-BE49-F238E27FC236}">
+                <a16:creationId xmlns:a16="http://schemas.microsoft.com/office/drawing/2014/main" id="{1D19FF34-AB37-3EA3-EB89-BE8D475113B1}"/>
+              </a:ext>
+            </a:extLst>
+          </p:cNvPr>
+          <p:cNvPicPr>
+            <a:picLocks noGrp="1" noChangeAspect="1"/>
+          </p:cNvPicPr>
+          <p:nvPr>
+            <p:ph idx="1"/>
+          </p:nvPr>
+        </p:nvPicPr>
+        <p:blipFill>
+          <a:blip r:embed="rId2"/>
+          <a:srcRect/>
+          <a:stretch>
+            <a:fillRect/>
+          </a:stretch>
+        </p:blipFill>
+        <p:spPr bwMode="auto">
+          <a:xfrm>
+            <a:off x="838200" y="1246909"/>
+            <a:ext cx="10515600" cy="5449455"/>
+          </a:xfrm>
+          <a:prstGeom prst="rect">
+            <a:avLst/>
+          </a:prstGeom>
+          <a:noFill/>
+          <a:ln w="9525">
+            <a:noFill/>
+            <a:miter lim="800000"/>
+            <a:headEnd/>
+            <a:tailEnd/>
+          </a:ln>
+        </p:spPr>
+      </p:pic>
+    </p:spTree>
+    <p:extLst>
+      <p:ext uri="{BB962C8B-B14F-4D97-AF65-F5344CB8AC3E}">
+        <p14:creationId xmlns:p14="http://schemas.microsoft.com/office/powerpoint/2010/main" val="3321061198"/>
       </p:ext>
     </p:extLst>
   </p:cSld>
@@ -5661,6 +6193,2468 @@
     <p:extLst>
       <p:ext uri="{BB962C8B-B14F-4D97-AF65-F5344CB8AC3E}">
         <p14:creationId xmlns:p14="http://schemas.microsoft.com/office/powerpoint/2010/main" val="352283354"/>
+      </p:ext>
+    </p:extLst>
+  </p:cSld>
+  <p:clrMapOvr>
+    <a:masterClrMapping/>
+  </p:clrMapOvr>
+</p:sld>
+</file>
+
+<file path=ppt/slides/slide20.xml><?xml version="1.0" encoding="utf-8"?>
+<p:sld xmlns:a="http://schemas.openxmlformats.org/drawingml/2006/main" xmlns:r="http://schemas.openxmlformats.org/officeDocument/2006/relationships" xmlns:p="http://schemas.openxmlformats.org/presentationml/2006/main">
+  <p:cSld>
+    <p:spTree>
+      <p:nvGrpSpPr>
+        <p:cNvPr id="1" name=""/>
+        <p:cNvGrpSpPr/>
+        <p:nvPr/>
+      </p:nvGrpSpPr>
+      <p:grpSpPr>
+        <a:xfrm>
+          <a:off x="0" y="0"/>
+          <a:ext cx="0" cy="0"/>
+          <a:chOff x="0" y="0"/>
+          <a:chExt cx="0" cy="0"/>
+        </a:xfrm>
+      </p:grpSpPr>
+      <p:sp>
+        <p:nvSpPr>
+          <p:cNvPr id="2" name="Title 1">
+            <a:extLst>
+              <a:ext uri="{FF2B5EF4-FFF2-40B4-BE49-F238E27FC236}">
+                <a16:creationId xmlns:a16="http://schemas.microsoft.com/office/drawing/2014/main" id="{FF602E4A-C293-4B83-6C7E-612EFAC3E528}"/>
+              </a:ext>
+            </a:extLst>
+          </p:cNvPr>
+          <p:cNvSpPr>
+            <a:spLocks noGrp="1"/>
+          </p:cNvSpPr>
+          <p:nvPr>
+            <p:ph type="title"/>
+          </p:nvPr>
+        </p:nvSpPr>
+        <p:spPr/>
+        <p:txBody>
+          <a:bodyPr>
+            <a:normAutofit/>
+          </a:bodyPr>
+          <a:lstStyle/>
+          <a:p>
+            <a:r>
+              <a:rPr lang="en-US" sz="3600" b="1" dirty="0"/>
+              <a:t>Configuration:</a:t>
+            </a:r>
+            <a:br>
+              <a:rPr lang="en-US" sz="3600" dirty="0"/>
+            </a:br>
+            <a:endParaRPr lang="en-US" sz="3600" dirty="0"/>
+          </a:p>
+        </p:txBody>
+      </p:sp>
+      <p:sp>
+        <p:nvSpPr>
+          <p:cNvPr id="3" name="Content Placeholder 2">
+            <a:extLst>
+              <a:ext uri="{FF2B5EF4-FFF2-40B4-BE49-F238E27FC236}">
+                <a16:creationId xmlns:a16="http://schemas.microsoft.com/office/drawing/2014/main" id="{E7944F2E-AEEB-3A0E-F7D2-3F50E1223E8E}"/>
+              </a:ext>
+            </a:extLst>
+          </p:cNvPr>
+          <p:cNvSpPr>
+            <a:spLocks noGrp="1"/>
+          </p:cNvSpPr>
+          <p:nvPr>
+            <p:ph idx="1"/>
+          </p:nvPr>
+        </p:nvSpPr>
+        <p:spPr>
+          <a:xfrm>
+            <a:off x="838200" y="1191491"/>
+            <a:ext cx="10515600" cy="5301384"/>
+          </a:xfrm>
+        </p:spPr>
+        <p:txBody>
+          <a:bodyPr>
+            <a:normAutofit/>
+          </a:bodyPr>
+          <a:lstStyle/>
+          <a:p>
+            <a:pPr lvl="0" algn="just" fontAlgn="base"/>
+            <a:r>
+              <a:rPr lang="en-US" sz="2200" dirty="0"/>
+              <a:t>Configuration is a class which is present in </a:t>
+            </a:r>
+            <a:r>
+              <a:rPr lang="en-US" sz="2200" dirty="0" err="1"/>
+              <a:t>org.hibernate.cfg</a:t>
+            </a:r>
+            <a:r>
+              <a:rPr lang="en-US" sz="2200" dirty="0"/>
+              <a:t> package. It activates Hibernate framework. It reads both configuration file and mapping files.</a:t>
+            </a:r>
+          </a:p>
+          <a:p>
+            <a:pPr lvl="0" algn="just" fontAlgn="base"/>
+            <a:r>
+              <a:rPr lang="en-US" sz="2200" dirty="0"/>
+              <a:t>It activate Hibernate Framework</a:t>
+            </a:r>
+          </a:p>
+          <a:p>
+            <a:pPr marL="0" lvl="0" indent="0" algn="just" fontAlgn="base">
+              <a:buNone/>
+            </a:pPr>
+            <a:r>
+              <a:rPr lang="en-US" sz="2200" b="1" dirty="0"/>
+              <a:t>	Configuration </a:t>
+            </a:r>
+            <a:r>
+              <a:rPr lang="en-US" sz="2200" b="1" dirty="0" err="1"/>
+              <a:t>cfg</a:t>
+            </a:r>
+            <a:r>
+              <a:rPr lang="en-US" sz="2200" b="1" dirty="0"/>
+              <a:t>=new Configuration();</a:t>
+            </a:r>
+            <a:endParaRPr lang="en-US" sz="2200" dirty="0"/>
+          </a:p>
+          <a:p>
+            <a:pPr lvl="0" algn="just" fontAlgn="base"/>
+            <a:r>
+              <a:rPr lang="en-US" sz="2200" dirty="0"/>
+              <a:t>It read both </a:t>
+            </a:r>
+            <a:r>
+              <a:rPr lang="en-US" sz="2200" dirty="0" err="1"/>
+              <a:t>cfg</a:t>
+            </a:r>
+            <a:r>
+              <a:rPr lang="en-US" sz="2200" dirty="0"/>
+              <a:t> file and mapping files</a:t>
+            </a:r>
+          </a:p>
+          <a:p>
+            <a:pPr marL="0" lvl="0" indent="0" algn="just" fontAlgn="base">
+              <a:buNone/>
+            </a:pPr>
+            <a:r>
+              <a:rPr lang="en-US" sz="2200" b="1" dirty="0"/>
+              <a:t>	</a:t>
+            </a:r>
+            <a:r>
+              <a:rPr lang="en-US" sz="2200" b="1" dirty="0" err="1"/>
+              <a:t>cfg.configure</a:t>
+            </a:r>
+            <a:r>
+              <a:rPr lang="en-US" sz="2200" b="1" dirty="0"/>
+              <a:t>();</a:t>
+            </a:r>
+            <a:endParaRPr lang="en-US" sz="2200" dirty="0"/>
+          </a:p>
+          <a:p>
+            <a:pPr lvl="0" algn="just" fontAlgn="base"/>
+            <a:r>
+              <a:rPr lang="en-US" sz="2200" dirty="0"/>
+              <a:t>It checks whether the config file is syntactically correct or not.</a:t>
+            </a:r>
+          </a:p>
+          <a:p>
+            <a:pPr lvl="0" algn="just" fontAlgn="base"/>
+            <a:r>
+              <a:rPr lang="en-US" sz="2200" dirty="0"/>
+              <a:t>If the config file is not valid then it will throw an exception. If it is valid then it creates a meta-data in memory and returns the meta-data to object to represent the config file.</a:t>
+            </a:r>
+          </a:p>
+          <a:p>
+            <a:pPr algn="just"/>
+            <a:endParaRPr lang="en-US" sz="2200" dirty="0"/>
+          </a:p>
+        </p:txBody>
+      </p:sp>
+    </p:spTree>
+    <p:extLst>
+      <p:ext uri="{BB962C8B-B14F-4D97-AF65-F5344CB8AC3E}">
+        <p14:creationId xmlns:p14="http://schemas.microsoft.com/office/powerpoint/2010/main" val="2016479649"/>
+      </p:ext>
+    </p:extLst>
+  </p:cSld>
+  <p:clrMapOvr>
+    <a:masterClrMapping/>
+  </p:clrMapOvr>
+</p:sld>
+</file>
+
+<file path=ppt/slides/slide21.xml><?xml version="1.0" encoding="utf-8"?>
+<p:sld xmlns:a="http://schemas.openxmlformats.org/drawingml/2006/main" xmlns:r="http://schemas.openxmlformats.org/officeDocument/2006/relationships" xmlns:p="http://schemas.openxmlformats.org/presentationml/2006/main">
+  <p:cSld>
+    <p:spTree>
+      <p:nvGrpSpPr>
+        <p:cNvPr id="1" name=""/>
+        <p:cNvGrpSpPr/>
+        <p:nvPr/>
+      </p:nvGrpSpPr>
+      <p:grpSpPr>
+        <a:xfrm>
+          <a:off x="0" y="0"/>
+          <a:ext cx="0" cy="0"/>
+          <a:chOff x="0" y="0"/>
+          <a:chExt cx="0" cy="0"/>
+        </a:xfrm>
+      </p:grpSpPr>
+      <p:sp>
+        <p:nvSpPr>
+          <p:cNvPr id="3" name="Content Placeholder 2">
+            <a:extLst>
+              <a:ext uri="{FF2B5EF4-FFF2-40B4-BE49-F238E27FC236}">
+                <a16:creationId xmlns:a16="http://schemas.microsoft.com/office/drawing/2014/main" id="{9D600217-A36B-2CC8-3F65-E40940B5A5DB}"/>
+              </a:ext>
+            </a:extLst>
+          </p:cNvPr>
+          <p:cNvSpPr>
+            <a:spLocks noGrp="1"/>
+          </p:cNvSpPr>
+          <p:nvPr>
+            <p:ph idx="1"/>
+          </p:nvPr>
+        </p:nvSpPr>
+        <p:spPr>
+          <a:xfrm>
+            <a:off x="378691" y="618837"/>
+            <a:ext cx="11683999" cy="5745018"/>
+          </a:xfrm>
+        </p:spPr>
+        <p:txBody>
+          <a:bodyPr>
+            <a:noAutofit/>
+          </a:bodyPr>
+          <a:lstStyle/>
+          <a:p>
+            <a:r>
+              <a:rPr lang="en-US" sz="2000" dirty="0"/>
+              <a:t>Example : </a:t>
+            </a:r>
+          </a:p>
+          <a:p>
+            <a:pPr marL="0" indent="0">
+              <a:buNone/>
+            </a:pPr>
+            <a:r>
+              <a:rPr lang="en-US" sz="2000" dirty="0"/>
+              <a:t>&lt;hibernate-configuration&gt;</a:t>
+            </a:r>
+          </a:p>
+          <a:p>
+            <a:pPr marL="0" indent="0">
+              <a:buNone/>
+            </a:pPr>
+            <a:r>
+              <a:rPr lang="en-US" sz="2000" dirty="0"/>
+              <a:t>    &lt;session-factory&gt;</a:t>
+            </a:r>
+          </a:p>
+          <a:p>
+            <a:pPr marL="0" indent="0">
+              <a:buNone/>
+            </a:pPr>
+            <a:r>
+              <a:rPr lang="en-US" sz="2000" dirty="0"/>
+              <a:t>        &lt;property name="</a:t>
+            </a:r>
+            <a:r>
+              <a:rPr lang="en-US" sz="2000" dirty="0" err="1"/>
+              <a:t>hibernate.connection.driver_class</a:t>
+            </a:r>
+            <a:r>
+              <a:rPr lang="en-US" sz="2000" dirty="0"/>
+              <a:t>"&gt;</a:t>
+            </a:r>
+            <a:r>
+              <a:rPr lang="en-US" sz="2000" dirty="0" err="1"/>
+              <a:t>com.mysql.cj.jdbc.Driver</a:t>
+            </a:r>
+            <a:r>
+              <a:rPr lang="en-US" sz="2000" dirty="0"/>
+              <a:t>&lt;/property&gt;</a:t>
+            </a:r>
+          </a:p>
+          <a:p>
+            <a:pPr marL="0" indent="0">
+              <a:buNone/>
+            </a:pPr>
+            <a:r>
+              <a:rPr lang="en-US" sz="2000" dirty="0"/>
+              <a:t>        &lt;property name="hibernate.connection.url"&gt;</a:t>
+            </a:r>
+            <a:r>
+              <a:rPr lang="en-US" sz="2000" dirty="0" err="1"/>
+              <a:t>jdbc:mysql</a:t>
+            </a:r>
+            <a:r>
+              <a:rPr lang="en-US" sz="2000" dirty="0"/>
+              <a:t>://localhost:3306/</a:t>
+            </a:r>
+            <a:r>
+              <a:rPr lang="en-US" sz="2000" dirty="0" err="1"/>
+              <a:t>mydb</a:t>
+            </a:r>
+            <a:r>
+              <a:rPr lang="en-US" sz="2000" dirty="0"/>
+              <a:t>&lt;/property&gt;</a:t>
+            </a:r>
+          </a:p>
+          <a:p>
+            <a:pPr marL="0" indent="0">
+              <a:buNone/>
+            </a:pPr>
+            <a:r>
+              <a:rPr lang="en-US" sz="2000" dirty="0"/>
+              <a:t>        &lt;property name="</a:t>
+            </a:r>
+            <a:r>
+              <a:rPr lang="en-US" sz="2000" dirty="0" err="1"/>
+              <a:t>hibernate.connection.username</a:t>
+            </a:r>
+            <a:r>
+              <a:rPr lang="en-US" sz="2000" dirty="0"/>
+              <a:t>"&gt;root&lt;/property&gt;</a:t>
+            </a:r>
+          </a:p>
+          <a:p>
+            <a:pPr marL="0" indent="0">
+              <a:buNone/>
+            </a:pPr>
+            <a:r>
+              <a:rPr lang="en-US" sz="2000" dirty="0"/>
+              <a:t>        &lt;property name="</a:t>
+            </a:r>
+            <a:r>
+              <a:rPr lang="en-US" sz="2000" dirty="0" err="1"/>
+              <a:t>hibernate.connection.password</a:t>
+            </a:r>
+            <a:r>
+              <a:rPr lang="en-US" sz="2000" dirty="0"/>
+              <a:t>"&gt;password&lt;/property&gt;</a:t>
+            </a:r>
+          </a:p>
+          <a:p>
+            <a:pPr marL="0" indent="0">
+              <a:buNone/>
+            </a:pPr>
+            <a:r>
+              <a:rPr lang="en-US" sz="2000" dirty="0"/>
+              <a:t>        &lt;property name="</a:t>
+            </a:r>
+            <a:r>
+              <a:rPr lang="en-US" sz="2000" dirty="0" err="1"/>
+              <a:t>hibernate.dialect</a:t>
+            </a:r>
+            <a:r>
+              <a:rPr lang="en-US" sz="2000" dirty="0"/>
+              <a:t>"&gt;</a:t>
+            </a:r>
+            <a:r>
+              <a:rPr lang="en-US" sz="2000" dirty="0" err="1"/>
+              <a:t>org.hibernate.dialect.MySQLDialect</a:t>
+            </a:r>
+            <a:r>
+              <a:rPr lang="en-US" sz="2000" dirty="0"/>
+              <a:t>&lt;/property&gt;</a:t>
+            </a:r>
+          </a:p>
+          <a:p>
+            <a:pPr marL="0" indent="0">
+              <a:buNone/>
+            </a:pPr>
+            <a:r>
+              <a:rPr lang="en-US" sz="2000" dirty="0"/>
+              <a:t>        &lt;property name="hibernate.hbm2ddl.auto"&gt;update&lt;/property&gt;</a:t>
+            </a:r>
+          </a:p>
+          <a:p>
+            <a:pPr marL="0" indent="0">
+              <a:buNone/>
+            </a:pPr>
+            <a:r>
+              <a:rPr lang="en-US" sz="2000" dirty="0"/>
+              <a:t>    &lt;/session-factory&gt;</a:t>
+            </a:r>
+          </a:p>
+          <a:p>
+            <a:pPr marL="0" indent="0">
+              <a:buNone/>
+            </a:pPr>
+            <a:r>
+              <a:rPr lang="en-US" sz="2000" dirty="0"/>
+              <a:t>&lt;/hibernate-configuration&gt;</a:t>
+            </a:r>
+          </a:p>
+          <a:p>
+            <a:endParaRPr lang="en-US" sz="2000" dirty="0"/>
+          </a:p>
+          <a:p>
+            <a:r>
+              <a:rPr lang="en-US" sz="2000" dirty="0" err="1"/>
+              <a:t>Hibernate's</a:t>
+            </a:r>
+            <a:r>
+              <a:rPr lang="en-US" sz="2000" dirty="0"/>
+              <a:t> configuration is defined in the hibernate.cfg.xml or </a:t>
+            </a:r>
+            <a:r>
+              <a:rPr lang="en-US" sz="2000" dirty="0" err="1"/>
+              <a:t>hibernate.properties</a:t>
+            </a:r>
+            <a:r>
+              <a:rPr lang="en-US" sz="2000" dirty="0"/>
+              <a:t> file.</a:t>
+            </a:r>
+          </a:p>
+          <a:p>
+            <a:br>
+              <a:rPr lang="en-US" sz="2000" dirty="0"/>
+            </a:br>
+            <a:r>
+              <a:rPr lang="en-US" sz="2000" dirty="0"/>
+              <a:t>It specifies the database connection details, Hibernate properties, and mappings for entity classes.</a:t>
+            </a:r>
+            <a:br>
+              <a:rPr lang="en-US" sz="2000" dirty="0"/>
+            </a:br>
+            <a:endParaRPr lang="en-US" sz="2000" dirty="0"/>
+          </a:p>
+        </p:txBody>
+      </p:sp>
+    </p:spTree>
+    <p:extLst>
+      <p:ext uri="{BB962C8B-B14F-4D97-AF65-F5344CB8AC3E}">
+        <p14:creationId xmlns:p14="http://schemas.microsoft.com/office/powerpoint/2010/main" val="2188681941"/>
+      </p:ext>
+    </p:extLst>
+  </p:cSld>
+  <p:clrMapOvr>
+    <a:masterClrMapping/>
+  </p:clrMapOvr>
+</p:sld>
+</file>
+
+<file path=ppt/slides/slide22.xml><?xml version="1.0" encoding="utf-8"?>
+<p:sld xmlns:a="http://schemas.openxmlformats.org/drawingml/2006/main" xmlns:r="http://schemas.openxmlformats.org/officeDocument/2006/relationships" xmlns:p="http://schemas.openxmlformats.org/presentationml/2006/main">
+  <p:cSld>
+    <p:spTree>
+      <p:nvGrpSpPr>
+        <p:cNvPr id="1" name=""/>
+        <p:cNvGrpSpPr/>
+        <p:nvPr/>
+      </p:nvGrpSpPr>
+      <p:grpSpPr>
+        <a:xfrm>
+          <a:off x="0" y="0"/>
+          <a:ext cx="0" cy="0"/>
+          <a:chOff x="0" y="0"/>
+          <a:chExt cx="0" cy="0"/>
+        </a:xfrm>
+      </p:grpSpPr>
+      <p:sp>
+        <p:nvSpPr>
+          <p:cNvPr id="2" name="Title 1">
+            <a:extLst>
+              <a:ext uri="{FF2B5EF4-FFF2-40B4-BE49-F238E27FC236}">
+                <a16:creationId xmlns:a16="http://schemas.microsoft.com/office/drawing/2014/main" id="{4AE22155-5E9E-AD2E-F298-7A554EB898D8}"/>
+              </a:ext>
+            </a:extLst>
+          </p:cNvPr>
+          <p:cNvSpPr>
+            <a:spLocks noGrp="1"/>
+          </p:cNvSpPr>
+          <p:nvPr>
+            <p:ph type="title"/>
+          </p:nvPr>
+        </p:nvSpPr>
+        <p:spPr>
+          <a:xfrm>
+            <a:off x="369456" y="1"/>
+            <a:ext cx="10984344" cy="1690688"/>
+          </a:xfrm>
+        </p:spPr>
+        <p:txBody>
+          <a:bodyPr>
+            <a:normAutofit/>
+          </a:bodyPr>
+          <a:lstStyle/>
+          <a:p>
+            <a:r>
+              <a:rPr lang="en-US" sz="3600" b="1" dirty="0" err="1"/>
+              <a:t>SessionFactory</a:t>
+            </a:r>
+            <a:r>
+              <a:rPr lang="en-US" sz="3600" b="1" dirty="0"/>
+              <a:t>:</a:t>
+            </a:r>
+            <a:br>
+              <a:rPr lang="en-US" sz="3600" dirty="0"/>
+            </a:br>
+            <a:endParaRPr lang="en-US" sz="3600" dirty="0"/>
+          </a:p>
+        </p:txBody>
+      </p:sp>
+      <p:sp>
+        <p:nvSpPr>
+          <p:cNvPr id="3" name="Content Placeholder 2">
+            <a:extLst>
+              <a:ext uri="{FF2B5EF4-FFF2-40B4-BE49-F238E27FC236}">
+                <a16:creationId xmlns:a16="http://schemas.microsoft.com/office/drawing/2014/main" id="{8ADEB4BF-BB80-ED23-D4F3-BDBDF508C8EF}"/>
+              </a:ext>
+            </a:extLst>
+          </p:cNvPr>
+          <p:cNvSpPr>
+            <a:spLocks noGrp="1"/>
+          </p:cNvSpPr>
+          <p:nvPr>
+            <p:ph idx="1"/>
+          </p:nvPr>
+        </p:nvSpPr>
+        <p:spPr>
+          <a:xfrm>
+            <a:off x="387927" y="979056"/>
+            <a:ext cx="11434617" cy="5578762"/>
+          </a:xfrm>
+        </p:spPr>
+        <p:txBody>
+          <a:bodyPr>
+            <a:normAutofit/>
+          </a:bodyPr>
+          <a:lstStyle/>
+          <a:p>
+            <a:pPr lvl="0" algn="just" fontAlgn="base"/>
+            <a:r>
+              <a:rPr lang="en-US" sz="2200" dirty="0" err="1"/>
+              <a:t>SessionFactory</a:t>
+            </a:r>
+            <a:r>
+              <a:rPr lang="en-US" sz="2200" dirty="0"/>
+              <a:t> is an Interface which is present in </a:t>
+            </a:r>
+            <a:r>
+              <a:rPr lang="en-US" sz="2200" dirty="0" err="1"/>
+              <a:t>org.hibernate</a:t>
+            </a:r>
+            <a:r>
+              <a:rPr lang="en-US" sz="2200" dirty="0"/>
+              <a:t> package and it is used to create Session Object (A </a:t>
+            </a:r>
+            <a:r>
+              <a:rPr lang="en-US" sz="2200" b="1" dirty="0" err="1"/>
+              <a:t>SessionFactory</a:t>
+            </a:r>
+            <a:r>
+              <a:rPr lang="en-US" sz="2200" dirty="0"/>
+              <a:t> is a factory for creating Session objects).</a:t>
+            </a:r>
+          </a:p>
+          <a:p>
+            <a:pPr lvl="0" algn="just" fontAlgn="base"/>
+            <a:r>
+              <a:rPr lang="en-US" sz="2200" dirty="0"/>
+              <a:t>It is immutable and thread-safe in nature and should be instantiated only once per application.</a:t>
+            </a:r>
+          </a:p>
+          <a:p>
+            <a:pPr lvl="0" algn="just" fontAlgn="base"/>
+            <a:r>
+              <a:rPr lang="en-US" sz="2200" dirty="0" err="1"/>
+              <a:t>buildSessionFactory</a:t>
+            </a:r>
+            <a:r>
+              <a:rPr lang="en-US" sz="2200" dirty="0"/>
+              <a:t>() method gathers the meta-data which is in the </a:t>
+            </a:r>
+            <a:r>
+              <a:rPr lang="en-US" sz="2200" dirty="0" err="1"/>
+              <a:t>cfg</a:t>
+            </a:r>
+            <a:r>
+              <a:rPr lang="en-US" sz="2200" dirty="0"/>
+              <a:t> Object. </a:t>
+            </a:r>
+          </a:p>
+          <a:p>
+            <a:pPr lvl="0" algn="just" fontAlgn="base"/>
+            <a:r>
+              <a:rPr lang="en-US" sz="2200" dirty="0"/>
+              <a:t>From </a:t>
+            </a:r>
+            <a:r>
+              <a:rPr lang="en-US" sz="2200" dirty="0" err="1"/>
+              <a:t>cfg</a:t>
+            </a:r>
+            <a:r>
+              <a:rPr lang="en-US" sz="2200" dirty="0"/>
+              <a:t> object it takes the JDBC information and create a JDBC Connection.</a:t>
+            </a:r>
+          </a:p>
+          <a:p>
+            <a:pPr marL="0" lvl="0" indent="0" algn="just" fontAlgn="base">
+              <a:buNone/>
+            </a:pPr>
+            <a:endParaRPr lang="en-US" sz="2200" dirty="0"/>
+          </a:p>
+          <a:p>
+            <a:pPr marL="0" lvl="0" indent="0" algn="just" fontAlgn="base">
+              <a:buNone/>
+            </a:pPr>
+            <a:r>
+              <a:rPr lang="en-US" sz="2200" b="1" dirty="0"/>
+              <a:t>	</a:t>
+            </a:r>
+            <a:r>
+              <a:rPr lang="en-US" sz="2200" b="1" dirty="0" err="1"/>
+              <a:t>SessionFactory</a:t>
+            </a:r>
+            <a:r>
+              <a:rPr lang="en-US" sz="2200" b="1" dirty="0"/>
+              <a:t> factory=</a:t>
+            </a:r>
+            <a:r>
+              <a:rPr lang="en-US" sz="2200" b="1" dirty="0" err="1"/>
+              <a:t>cfg.buildSessionFactory</a:t>
+            </a:r>
+            <a:r>
+              <a:rPr lang="en-US" sz="2200" b="1" dirty="0"/>
+              <a:t>();</a:t>
+            </a:r>
+          </a:p>
+          <a:p>
+            <a:pPr marL="0" lvl="0" indent="0" algn="just" fontAlgn="base">
+              <a:buNone/>
+            </a:pPr>
+            <a:endParaRPr lang="en-US" sz="2200" b="1" dirty="0"/>
+          </a:p>
+          <a:p>
+            <a:pPr lvl="0"/>
+            <a:r>
+              <a:rPr lang="en-US" sz="2200" dirty="0"/>
+              <a:t>It is a heavyweight object that manages database connections and is created once for the application.</a:t>
+            </a:r>
+          </a:p>
+          <a:p>
+            <a:pPr lvl="0"/>
+            <a:r>
+              <a:rPr lang="en-US" sz="2200" dirty="0"/>
+              <a:t>Example:	</a:t>
+            </a:r>
+            <a:r>
+              <a:rPr lang="en-US" sz="2200" dirty="0" err="1"/>
+              <a:t>SessionFactory</a:t>
+            </a:r>
+            <a:r>
+              <a:rPr lang="en-US" sz="2200" dirty="0"/>
+              <a:t> </a:t>
+            </a:r>
+            <a:r>
+              <a:rPr lang="en-US" sz="2200" dirty="0" err="1"/>
+              <a:t>sessionFactory</a:t>
+            </a:r>
+            <a:r>
+              <a:rPr lang="en-US" sz="2200" dirty="0"/>
+              <a:t> = new Configuration()</a:t>
+            </a:r>
+          </a:p>
+          <a:p>
+            <a:pPr marL="0" indent="0">
+              <a:buNone/>
+            </a:pPr>
+            <a:r>
+              <a:rPr lang="en-US" sz="2200" dirty="0"/>
+              <a:t>                                    .configure("hibernate.cfg.xml")</a:t>
+            </a:r>
+          </a:p>
+          <a:p>
+            <a:pPr marL="0" indent="0">
+              <a:buNone/>
+            </a:pPr>
+            <a:r>
+              <a:rPr lang="en-US" sz="2200" dirty="0"/>
+              <a:t>                                    .</a:t>
+            </a:r>
+            <a:r>
+              <a:rPr lang="en-US" sz="2200" dirty="0" err="1"/>
+              <a:t>buildSessionFactory</a:t>
+            </a:r>
+            <a:r>
+              <a:rPr lang="en-US" sz="2200" dirty="0"/>
+              <a:t>();</a:t>
+            </a:r>
+          </a:p>
+          <a:p>
+            <a:pPr marL="0" lvl="0" indent="0" algn="just" fontAlgn="base">
+              <a:buNone/>
+            </a:pPr>
+            <a:endParaRPr lang="en-US" sz="2200" dirty="0"/>
+          </a:p>
+          <a:p>
+            <a:pPr algn="just"/>
+            <a:endParaRPr lang="en-US" sz="2200" dirty="0"/>
+          </a:p>
+        </p:txBody>
+      </p:sp>
+    </p:spTree>
+    <p:extLst>
+      <p:ext uri="{BB962C8B-B14F-4D97-AF65-F5344CB8AC3E}">
+        <p14:creationId xmlns:p14="http://schemas.microsoft.com/office/powerpoint/2010/main" val="717545279"/>
+      </p:ext>
+    </p:extLst>
+  </p:cSld>
+  <p:clrMapOvr>
+    <a:masterClrMapping/>
+  </p:clrMapOvr>
+</p:sld>
+</file>
+
+<file path=ppt/slides/slide23.xml><?xml version="1.0" encoding="utf-8"?>
+<p:sld xmlns:a="http://schemas.openxmlformats.org/drawingml/2006/main" xmlns:r="http://schemas.openxmlformats.org/officeDocument/2006/relationships" xmlns:p="http://schemas.openxmlformats.org/presentationml/2006/main">
+  <p:cSld>
+    <p:spTree>
+      <p:nvGrpSpPr>
+        <p:cNvPr id="1" name=""/>
+        <p:cNvGrpSpPr/>
+        <p:nvPr/>
+      </p:nvGrpSpPr>
+      <p:grpSpPr>
+        <a:xfrm>
+          <a:off x="0" y="0"/>
+          <a:ext cx="0" cy="0"/>
+          <a:chOff x="0" y="0"/>
+          <a:chExt cx="0" cy="0"/>
+        </a:xfrm>
+      </p:grpSpPr>
+      <p:sp>
+        <p:nvSpPr>
+          <p:cNvPr id="2" name="Title 1">
+            <a:extLst>
+              <a:ext uri="{FF2B5EF4-FFF2-40B4-BE49-F238E27FC236}">
+                <a16:creationId xmlns:a16="http://schemas.microsoft.com/office/drawing/2014/main" id="{5F0BCB64-9F61-6DF0-221E-23D068410155}"/>
+              </a:ext>
+            </a:extLst>
+          </p:cNvPr>
+          <p:cNvSpPr>
+            <a:spLocks noGrp="1"/>
+          </p:cNvSpPr>
+          <p:nvPr>
+            <p:ph type="title"/>
+          </p:nvPr>
+        </p:nvSpPr>
+        <p:spPr>
+          <a:xfrm>
+            <a:off x="838200" y="-101599"/>
+            <a:ext cx="10515600" cy="1792288"/>
+          </a:xfrm>
+        </p:spPr>
+        <p:txBody>
+          <a:bodyPr>
+            <a:normAutofit/>
+          </a:bodyPr>
+          <a:lstStyle/>
+          <a:p>
+            <a:r>
+              <a:rPr lang="en-US" sz="3600" b="1" dirty="0"/>
+              <a:t>Session:</a:t>
+            </a:r>
+            <a:br>
+              <a:rPr lang="en-US" sz="3600" dirty="0"/>
+            </a:br>
+            <a:endParaRPr lang="en-US" sz="3600" dirty="0"/>
+          </a:p>
+        </p:txBody>
+      </p:sp>
+      <p:sp>
+        <p:nvSpPr>
+          <p:cNvPr id="3" name="Content Placeholder 2">
+            <a:extLst>
+              <a:ext uri="{FF2B5EF4-FFF2-40B4-BE49-F238E27FC236}">
+                <a16:creationId xmlns:a16="http://schemas.microsoft.com/office/drawing/2014/main" id="{88FDE716-3119-84E9-1F79-9CE1481172B8}"/>
+              </a:ext>
+            </a:extLst>
+          </p:cNvPr>
+          <p:cNvSpPr>
+            <a:spLocks noGrp="1"/>
+          </p:cNvSpPr>
+          <p:nvPr>
+            <p:ph idx="1"/>
+          </p:nvPr>
+        </p:nvSpPr>
+        <p:spPr>
+          <a:xfrm>
+            <a:off x="838200" y="720436"/>
+            <a:ext cx="10515600" cy="5661892"/>
+          </a:xfrm>
+        </p:spPr>
+        <p:txBody>
+          <a:bodyPr>
+            <a:noAutofit/>
+          </a:bodyPr>
+          <a:lstStyle/>
+          <a:p>
+            <a:pPr lvl="0" algn="just" fontAlgn="base"/>
+            <a:r>
+              <a:rPr lang="en-US" sz="2200" dirty="0"/>
+              <a:t>Session is an interface which is present in </a:t>
+            </a:r>
+            <a:r>
+              <a:rPr lang="en-US" sz="2200" dirty="0" err="1"/>
+              <a:t>org.hibernate</a:t>
+            </a:r>
+            <a:r>
+              <a:rPr lang="en-US" sz="2200" dirty="0"/>
+              <a:t> package for interacting with the database. </a:t>
+            </a:r>
+          </a:p>
+          <a:p>
+            <a:pPr lvl="0" algn="just" fontAlgn="base"/>
+            <a:r>
+              <a:rPr lang="en-US" sz="2200" dirty="0"/>
+              <a:t>Session object is created based upon </a:t>
+            </a:r>
+            <a:r>
+              <a:rPr lang="en-US" sz="2200" dirty="0" err="1"/>
+              <a:t>SessionFactory</a:t>
+            </a:r>
+            <a:r>
+              <a:rPr lang="en-US" sz="2200" dirty="0"/>
+              <a:t> object i.e. factory.</a:t>
+            </a:r>
+          </a:p>
+          <a:p>
+            <a:pPr lvl="0" algn="just" fontAlgn="base"/>
+            <a:r>
+              <a:rPr lang="en-US" sz="2200" dirty="0"/>
+              <a:t>It opens the Connection/Session with Database software through Hibernate Framework.</a:t>
+            </a:r>
+          </a:p>
+          <a:p>
+            <a:pPr lvl="0" algn="just" fontAlgn="base"/>
+            <a:r>
+              <a:rPr lang="en-US" sz="2200" dirty="0"/>
+              <a:t>It is a light-weight object and it is not thread-safe.</a:t>
+            </a:r>
+          </a:p>
+          <a:p>
+            <a:pPr lvl="0" algn="just" fontAlgn="base"/>
+            <a:r>
+              <a:rPr lang="en-US" sz="2200" dirty="0"/>
+              <a:t>Session object is used to perform CRUD operations.</a:t>
+            </a:r>
+          </a:p>
+          <a:p>
+            <a:pPr marL="0" lvl="0" indent="0">
+              <a:buNone/>
+            </a:pPr>
+            <a:r>
+              <a:rPr lang="en-US" sz="2200" b="1" dirty="0"/>
+              <a:t>	Session session=</a:t>
+            </a:r>
+            <a:r>
+              <a:rPr lang="en-US" sz="2200" b="1" dirty="0" err="1"/>
+              <a:t>factory.openSession</a:t>
+            </a:r>
+            <a:r>
+              <a:rPr lang="en-US" sz="2200" b="1" dirty="0"/>
+              <a:t>();</a:t>
+            </a:r>
+            <a:r>
+              <a:rPr lang="en-US" sz="2200" dirty="0"/>
+              <a:t> </a:t>
+            </a:r>
+          </a:p>
+          <a:p>
+            <a:pPr lvl="0"/>
+            <a:r>
+              <a:rPr lang="en-US" sz="2200" dirty="0"/>
+              <a:t>It acts as a persistence context for managing entities and their lifecycle (transient, persistent, detached).</a:t>
+            </a:r>
+          </a:p>
+          <a:p>
+            <a:pPr lvl="0"/>
+            <a:r>
+              <a:rPr lang="en-US" sz="2200" dirty="0"/>
+              <a:t>It is not thread-safe and should be created per transaction or request.</a:t>
+            </a:r>
+          </a:p>
+          <a:p>
+            <a:pPr lvl="0"/>
+            <a:r>
+              <a:rPr lang="en-US" sz="2200" dirty="0"/>
+              <a:t>Example:  Session session = </a:t>
+            </a:r>
+            <a:r>
+              <a:rPr lang="en-US" sz="2200" dirty="0" err="1"/>
+              <a:t>sessionFactory.openSession</a:t>
+            </a:r>
+            <a:r>
+              <a:rPr lang="en-US" sz="2200" dirty="0"/>
+              <a:t>();</a:t>
+            </a:r>
+          </a:p>
+          <a:p>
+            <a:pPr marL="0" indent="0">
+              <a:buNone/>
+            </a:pPr>
+            <a:r>
+              <a:rPr lang="en-US" sz="2200" dirty="0"/>
+              <a:t>	      Transaction </a:t>
+            </a:r>
+            <a:r>
+              <a:rPr lang="en-US" sz="2200" dirty="0" err="1"/>
+              <a:t>transaction</a:t>
+            </a:r>
+            <a:r>
+              <a:rPr lang="en-US" sz="2200" dirty="0"/>
+              <a:t> = </a:t>
+            </a:r>
+            <a:r>
+              <a:rPr lang="en-US" sz="2200" dirty="0" err="1"/>
+              <a:t>session.beginTransaction</a:t>
+            </a:r>
+            <a:r>
+              <a:rPr lang="en-US" sz="2200" dirty="0"/>
+              <a:t>();</a:t>
+            </a:r>
+          </a:p>
+          <a:p>
+            <a:pPr marL="0" indent="0">
+              <a:buNone/>
+            </a:pPr>
+            <a:r>
+              <a:rPr lang="en-US" sz="2200" dirty="0"/>
+              <a:t>	      // Perform CRUD operations</a:t>
+            </a:r>
+          </a:p>
+          <a:p>
+            <a:pPr marL="0" indent="0">
+              <a:buNone/>
+            </a:pPr>
+            <a:r>
+              <a:rPr lang="en-US" sz="2200" dirty="0"/>
+              <a:t>	      </a:t>
+            </a:r>
+            <a:r>
+              <a:rPr lang="en-US" sz="2200" dirty="0" err="1"/>
+              <a:t>transaction.commit</a:t>
+            </a:r>
+            <a:r>
+              <a:rPr lang="en-US" sz="2200" dirty="0"/>
+              <a:t>();</a:t>
+            </a:r>
+          </a:p>
+          <a:p>
+            <a:pPr marL="0" indent="0">
+              <a:buNone/>
+            </a:pPr>
+            <a:r>
+              <a:rPr lang="en-US" sz="2200" dirty="0"/>
+              <a:t>	      </a:t>
+            </a:r>
+            <a:r>
+              <a:rPr lang="en-US" sz="2200" dirty="0" err="1"/>
+              <a:t>session.close</a:t>
+            </a:r>
+            <a:r>
+              <a:rPr lang="en-US" sz="2200" dirty="0"/>
+              <a:t>();</a:t>
+            </a:r>
+          </a:p>
+          <a:p>
+            <a:pPr marL="0" lvl="0" indent="0" algn="just" fontAlgn="base">
+              <a:buNone/>
+            </a:pPr>
+            <a:endParaRPr lang="en-US" sz="2200" dirty="0"/>
+          </a:p>
+          <a:p>
+            <a:pPr algn="just"/>
+            <a:endParaRPr lang="en-US" sz="2200" dirty="0"/>
+          </a:p>
+        </p:txBody>
+      </p:sp>
+    </p:spTree>
+    <p:extLst>
+      <p:ext uri="{BB962C8B-B14F-4D97-AF65-F5344CB8AC3E}">
+        <p14:creationId xmlns:p14="http://schemas.microsoft.com/office/powerpoint/2010/main" val="4274887816"/>
+      </p:ext>
+    </p:extLst>
+  </p:cSld>
+  <p:clrMapOvr>
+    <a:masterClrMapping/>
+  </p:clrMapOvr>
+</p:sld>
+</file>
+
+<file path=ppt/slides/slide24.xml><?xml version="1.0" encoding="utf-8"?>
+<p:sld xmlns:a="http://schemas.openxmlformats.org/drawingml/2006/main" xmlns:r="http://schemas.openxmlformats.org/officeDocument/2006/relationships" xmlns:p="http://schemas.openxmlformats.org/presentationml/2006/main">
+  <p:cSld>
+    <p:spTree>
+      <p:nvGrpSpPr>
+        <p:cNvPr id="1" name=""/>
+        <p:cNvGrpSpPr/>
+        <p:nvPr/>
+      </p:nvGrpSpPr>
+      <p:grpSpPr>
+        <a:xfrm>
+          <a:off x="0" y="0"/>
+          <a:ext cx="0" cy="0"/>
+          <a:chOff x="0" y="0"/>
+          <a:chExt cx="0" cy="0"/>
+        </a:xfrm>
+      </p:grpSpPr>
+      <p:sp>
+        <p:nvSpPr>
+          <p:cNvPr id="2" name="Title 1">
+            <a:extLst>
+              <a:ext uri="{FF2B5EF4-FFF2-40B4-BE49-F238E27FC236}">
+                <a16:creationId xmlns:a16="http://schemas.microsoft.com/office/drawing/2014/main" id="{14A7900F-D3AC-B3EF-06D5-CA947CEB5B22}"/>
+              </a:ext>
+            </a:extLst>
+          </p:cNvPr>
+          <p:cNvSpPr>
+            <a:spLocks noGrp="1"/>
+          </p:cNvSpPr>
+          <p:nvPr>
+            <p:ph type="title"/>
+          </p:nvPr>
+        </p:nvSpPr>
+        <p:spPr>
+          <a:xfrm>
+            <a:off x="838200" y="1"/>
+            <a:ext cx="10515600" cy="1690688"/>
+          </a:xfrm>
+        </p:spPr>
+        <p:txBody>
+          <a:bodyPr>
+            <a:normAutofit/>
+          </a:bodyPr>
+          <a:lstStyle/>
+          <a:p>
+            <a:r>
+              <a:rPr lang="en-US" sz="3600" b="1" dirty="0"/>
+              <a:t>Transaction:</a:t>
+            </a:r>
+            <a:br>
+              <a:rPr lang="en-US" sz="3600" dirty="0"/>
+            </a:br>
+            <a:endParaRPr lang="en-US" sz="3600" dirty="0"/>
+          </a:p>
+        </p:txBody>
+      </p:sp>
+      <p:sp>
+        <p:nvSpPr>
+          <p:cNvPr id="3" name="Content Placeholder 2">
+            <a:extLst>
+              <a:ext uri="{FF2B5EF4-FFF2-40B4-BE49-F238E27FC236}">
+                <a16:creationId xmlns:a16="http://schemas.microsoft.com/office/drawing/2014/main" id="{AFC58D3B-9B0E-C544-D39B-447AF1662076}"/>
+              </a:ext>
+            </a:extLst>
+          </p:cNvPr>
+          <p:cNvSpPr>
+            <a:spLocks noGrp="1"/>
+          </p:cNvSpPr>
+          <p:nvPr>
+            <p:ph idx="1"/>
+          </p:nvPr>
+        </p:nvSpPr>
+        <p:spPr>
+          <a:xfrm>
+            <a:off x="838200" y="1006764"/>
+            <a:ext cx="10515600" cy="5851235"/>
+          </a:xfrm>
+        </p:spPr>
+        <p:txBody>
+          <a:bodyPr>
+            <a:normAutofit/>
+          </a:bodyPr>
+          <a:lstStyle/>
+          <a:p>
+            <a:pPr lvl="0" algn="just" fontAlgn="base"/>
+            <a:r>
+              <a:rPr lang="en-US" sz="2200" dirty="0"/>
+              <a:t>Transaction object is used whenever we perform any operation and based upon that operation there is some change in database.</a:t>
+            </a:r>
+          </a:p>
+          <a:p>
+            <a:pPr lvl="0" algn="just" fontAlgn="base"/>
+            <a:r>
+              <a:rPr lang="en-US" sz="2200" dirty="0"/>
+              <a:t>Transaction object is used to give the instruction to the database to make the changes that happen because of operation as a permanent by using commit() method.</a:t>
+            </a:r>
+          </a:p>
+          <a:p>
+            <a:pPr marL="0" lvl="0" indent="0" algn="just" fontAlgn="base">
+              <a:buNone/>
+            </a:pPr>
+            <a:r>
+              <a:rPr lang="en-US" sz="2200" b="1" dirty="0"/>
+              <a:t>	Transaction </a:t>
+            </a:r>
+            <a:r>
+              <a:rPr lang="en-US" sz="2200" b="1" dirty="0" err="1"/>
+              <a:t>tx</a:t>
+            </a:r>
+            <a:r>
+              <a:rPr lang="en-US" sz="2200" b="1" dirty="0"/>
+              <a:t>=</a:t>
+            </a:r>
+            <a:r>
+              <a:rPr lang="en-US" sz="2200" b="1" dirty="0" err="1"/>
+              <a:t>session.beginTransaction</a:t>
+            </a:r>
+            <a:r>
+              <a:rPr lang="en-US" sz="2200" b="1" dirty="0"/>
+              <a:t>();</a:t>
+            </a:r>
+            <a:endParaRPr lang="en-US" sz="2200" dirty="0"/>
+          </a:p>
+          <a:p>
+            <a:pPr marL="0" lvl="0" indent="0" algn="just" fontAlgn="base">
+              <a:buNone/>
+            </a:pPr>
+            <a:r>
+              <a:rPr lang="en-US" sz="2200" b="1" dirty="0"/>
+              <a:t>	</a:t>
+            </a:r>
+            <a:r>
+              <a:rPr lang="en-US" sz="2200" b="1" dirty="0" err="1"/>
+              <a:t>tx.commit</a:t>
+            </a:r>
+            <a:r>
+              <a:rPr lang="en-US" sz="2200" b="1" dirty="0"/>
+              <a:t>();</a:t>
+            </a:r>
+          </a:p>
+          <a:p>
+            <a:pPr lvl="0" algn="just"/>
+            <a:r>
+              <a:rPr lang="en-US" sz="2200" dirty="0"/>
+              <a:t>Example: Transaction transaction = </a:t>
+            </a:r>
+            <a:r>
+              <a:rPr lang="en-US" sz="2200" dirty="0" err="1"/>
+              <a:t>session.beginTransaction</a:t>
+            </a:r>
+            <a:r>
+              <a:rPr lang="en-US" sz="2200" dirty="0"/>
+              <a:t>();</a:t>
+            </a:r>
+          </a:p>
+          <a:p>
+            <a:pPr marL="0" indent="0" algn="just">
+              <a:buNone/>
+            </a:pPr>
+            <a:r>
+              <a:rPr lang="en-US" sz="2200" dirty="0"/>
+              <a:t>                      try {</a:t>
+            </a:r>
+          </a:p>
+          <a:p>
+            <a:pPr marL="0" indent="0" algn="just">
+              <a:buNone/>
+            </a:pPr>
+            <a:r>
+              <a:rPr lang="en-US" sz="2200" dirty="0"/>
+              <a:t>                             // Database operations</a:t>
+            </a:r>
+          </a:p>
+          <a:p>
+            <a:pPr marL="0" indent="0" algn="just">
+              <a:buNone/>
+            </a:pPr>
+            <a:r>
+              <a:rPr lang="en-US" sz="2200" dirty="0"/>
+              <a:t>                             </a:t>
+            </a:r>
+            <a:r>
+              <a:rPr lang="en-US" sz="2200" dirty="0" err="1"/>
+              <a:t>transaction.commit</a:t>
+            </a:r>
+            <a:r>
+              <a:rPr lang="en-US" sz="2200" dirty="0"/>
+              <a:t>();</a:t>
+            </a:r>
+          </a:p>
+          <a:p>
+            <a:pPr marL="0" indent="0" algn="just">
+              <a:buNone/>
+            </a:pPr>
+            <a:r>
+              <a:rPr lang="en-US" sz="2200" dirty="0"/>
+              <a:t>                      } catch (Exception e) {</a:t>
+            </a:r>
+          </a:p>
+          <a:p>
+            <a:pPr marL="0" indent="0" algn="just">
+              <a:buNone/>
+            </a:pPr>
+            <a:r>
+              <a:rPr lang="en-US" sz="2200" dirty="0"/>
+              <a:t>                             </a:t>
+            </a:r>
+            <a:r>
+              <a:rPr lang="en-US" sz="2200" dirty="0" err="1"/>
+              <a:t>transaction.rollback</a:t>
+            </a:r>
+            <a:r>
+              <a:rPr lang="en-US" sz="2200" dirty="0"/>
+              <a:t>();</a:t>
+            </a:r>
+          </a:p>
+          <a:p>
+            <a:pPr marL="0" indent="0" algn="just">
+              <a:buNone/>
+            </a:pPr>
+            <a:r>
+              <a:rPr lang="en-US" sz="2200" dirty="0"/>
+              <a:t>                      }</a:t>
+            </a:r>
+          </a:p>
+          <a:p>
+            <a:pPr marL="0" lvl="0" indent="0" algn="just" fontAlgn="base">
+              <a:buNone/>
+            </a:pPr>
+            <a:endParaRPr lang="en-US" sz="2200" dirty="0"/>
+          </a:p>
+          <a:p>
+            <a:pPr algn="just"/>
+            <a:endParaRPr lang="en-US" sz="2200" dirty="0"/>
+          </a:p>
+        </p:txBody>
+      </p:sp>
+    </p:spTree>
+    <p:extLst>
+      <p:ext uri="{BB962C8B-B14F-4D97-AF65-F5344CB8AC3E}">
+        <p14:creationId xmlns:p14="http://schemas.microsoft.com/office/powerpoint/2010/main" val="1517837401"/>
+      </p:ext>
+    </p:extLst>
+  </p:cSld>
+  <p:clrMapOvr>
+    <a:masterClrMapping/>
+  </p:clrMapOvr>
+</p:sld>
+</file>
+
+<file path=ppt/slides/slide25.xml><?xml version="1.0" encoding="utf-8"?>
+<p:sld xmlns:a="http://schemas.openxmlformats.org/drawingml/2006/main" xmlns:r="http://schemas.openxmlformats.org/officeDocument/2006/relationships" xmlns:p="http://schemas.openxmlformats.org/presentationml/2006/main">
+  <p:cSld>
+    <p:spTree>
+      <p:nvGrpSpPr>
+        <p:cNvPr id="1" name=""/>
+        <p:cNvGrpSpPr/>
+        <p:nvPr/>
+      </p:nvGrpSpPr>
+      <p:grpSpPr>
+        <a:xfrm>
+          <a:off x="0" y="0"/>
+          <a:ext cx="0" cy="0"/>
+          <a:chOff x="0" y="0"/>
+          <a:chExt cx="0" cy="0"/>
+        </a:xfrm>
+      </p:grpSpPr>
+      <p:sp>
+        <p:nvSpPr>
+          <p:cNvPr id="2" name="Title 1">
+            <a:extLst>
+              <a:ext uri="{FF2B5EF4-FFF2-40B4-BE49-F238E27FC236}">
+                <a16:creationId xmlns:a16="http://schemas.microsoft.com/office/drawing/2014/main" id="{67A42D6B-E619-4C35-0B8F-024A811BE4C1}"/>
+              </a:ext>
+            </a:extLst>
+          </p:cNvPr>
+          <p:cNvSpPr>
+            <a:spLocks noGrp="1"/>
+          </p:cNvSpPr>
+          <p:nvPr>
+            <p:ph type="title"/>
+          </p:nvPr>
+        </p:nvSpPr>
+        <p:spPr>
+          <a:xfrm>
+            <a:off x="591126" y="-249381"/>
+            <a:ext cx="10762674" cy="1940070"/>
+          </a:xfrm>
+        </p:spPr>
+        <p:txBody>
+          <a:bodyPr>
+            <a:normAutofit/>
+          </a:bodyPr>
+          <a:lstStyle/>
+          <a:p>
+            <a:r>
+              <a:rPr lang="en-US" sz="3600" b="1" dirty="0"/>
+              <a:t>Query:</a:t>
+            </a:r>
+            <a:br>
+              <a:rPr lang="en-US" sz="3600" dirty="0"/>
+            </a:br>
+            <a:endParaRPr lang="en-US" sz="3600" dirty="0"/>
+          </a:p>
+        </p:txBody>
+      </p:sp>
+      <p:sp>
+        <p:nvSpPr>
+          <p:cNvPr id="3" name="Content Placeholder 2">
+            <a:extLst>
+              <a:ext uri="{FF2B5EF4-FFF2-40B4-BE49-F238E27FC236}">
+                <a16:creationId xmlns:a16="http://schemas.microsoft.com/office/drawing/2014/main" id="{D66361FB-D6F4-D681-99CF-F15E4756B4B0}"/>
+              </a:ext>
+            </a:extLst>
+          </p:cNvPr>
+          <p:cNvSpPr>
+            <a:spLocks noGrp="1"/>
+          </p:cNvSpPr>
+          <p:nvPr>
+            <p:ph idx="1"/>
+          </p:nvPr>
+        </p:nvSpPr>
+        <p:spPr>
+          <a:xfrm>
+            <a:off x="591126" y="785092"/>
+            <a:ext cx="11203710" cy="6072908"/>
+          </a:xfrm>
+        </p:spPr>
+        <p:txBody>
+          <a:bodyPr>
+            <a:normAutofit/>
+          </a:bodyPr>
+          <a:lstStyle/>
+          <a:p>
+            <a:pPr algn="just" fontAlgn="base"/>
+            <a:r>
+              <a:rPr lang="en-US" sz="2200" dirty="0"/>
+              <a:t>Hibernate provides the </a:t>
+            </a:r>
+            <a:r>
+              <a:rPr lang="en-US" sz="2200" b="1" dirty="0"/>
+              <a:t>Query</a:t>
+            </a:r>
+            <a:r>
+              <a:rPr lang="en-US" sz="2200" dirty="0"/>
+              <a:t> and </a:t>
+            </a:r>
+            <a:r>
+              <a:rPr lang="en-US" sz="2200" b="1" dirty="0"/>
+              <a:t>Criteria API</a:t>
+            </a:r>
+            <a:r>
+              <a:rPr lang="en-US" sz="2200" dirty="0"/>
+              <a:t> for executing database queries.</a:t>
+            </a:r>
+          </a:p>
+          <a:p>
+            <a:pPr lvl="0" algn="just" fontAlgn="base"/>
+            <a:r>
+              <a:rPr lang="en-US" sz="2200" dirty="0"/>
+              <a:t>Query is an interface that present inside </a:t>
+            </a:r>
+            <a:r>
+              <a:rPr lang="en-US" sz="2200" dirty="0" err="1"/>
+              <a:t>org.hibernate</a:t>
+            </a:r>
+            <a:r>
+              <a:rPr lang="en-US" sz="2200" dirty="0"/>
+              <a:t> package.</a:t>
+            </a:r>
+          </a:p>
+          <a:p>
+            <a:pPr lvl="0" algn="just" fontAlgn="base"/>
+            <a:r>
+              <a:rPr lang="en-US" sz="2200" dirty="0"/>
+              <a:t>A Query instance is obtained by calling </a:t>
+            </a:r>
+            <a:r>
+              <a:rPr lang="en-US" sz="2200" dirty="0" err="1"/>
+              <a:t>session.createQuery</a:t>
+            </a:r>
+            <a:r>
+              <a:rPr lang="en-US" sz="2200" dirty="0"/>
+              <a:t>().</a:t>
+            </a:r>
+          </a:p>
+          <a:p>
+            <a:pPr lvl="0" algn="just" fontAlgn="base"/>
+            <a:r>
+              <a:rPr lang="en-US" sz="2200" dirty="0"/>
+              <a:t>This interface exposes some extra functionality beyond that provided by </a:t>
+            </a:r>
+            <a:r>
+              <a:rPr lang="en-US" sz="2200" dirty="0" err="1"/>
+              <a:t>Session.iterate</a:t>
+            </a:r>
+            <a:r>
+              <a:rPr lang="en-US" sz="2200" dirty="0"/>
+              <a:t>() and </a:t>
+            </a:r>
+            <a:r>
+              <a:rPr lang="en-US" sz="2200" dirty="0" err="1"/>
+              <a:t>Session.find</a:t>
+            </a:r>
+            <a:r>
+              <a:rPr lang="en-US" sz="2200" dirty="0"/>
+              <a:t>():</a:t>
+            </a:r>
+          </a:p>
+          <a:p>
+            <a:pPr lvl="1" algn="just" fontAlgn="base"/>
+            <a:r>
+              <a:rPr lang="en-US" sz="2200" dirty="0"/>
+              <a:t>A particular page of the result set may be selected by calling </a:t>
+            </a:r>
+            <a:r>
+              <a:rPr lang="en-US" sz="2200" dirty="0" err="1"/>
+              <a:t>setMaxResults</a:t>
+            </a:r>
+            <a:r>
+              <a:rPr lang="en-US" sz="2200" dirty="0"/>
+              <a:t>(), </a:t>
+            </a:r>
+            <a:r>
+              <a:rPr lang="en-US" sz="2200" dirty="0" err="1"/>
+              <a:t>setFirstResult</a:t>
+            </a:r>
+            <a:r>
+              <a:rPr lang="en-US" sz="2200" dirty="0"/>
+              <a:t>().</a:t>
+            </a:r>
+          </a:p>
+          <a:p>
+            <a:pPr lvl="1" algn="just" fontAlgn="base"/>
+            <a:r>
+              <a:rPr lang="en-US" sz="2200" dirty="0"/>
+              <a:t>Named query parameters may be used.</a:t>
+            </a:r>
+          </a:p>
+          <a:p>
+            <a:pPr marL="0" lvl="0" indent="0" algn="just" fontAlgn="base">
+              <a:buNone/>
+            </a:pPr>
+            <a:r>
+              <a:rPr lang="en-US" sz="2200" b="1" dirty="0"/>
+              <a:t>       Query query=</a:t>
+            </a:r>
+            <a:r>
+              <a:rPr lang="en-US" sz="2200" b="1" dirty="0" err="1"/>
+              <a:t>session.createQuery</a:t>
+            </a:r>
+            <a:r>
+              <a:rPr lang="en-US" sz="2200" b="1" dirty="0"/>
+              <a:t>();</a:t>
+            </a:r>
+          </a:p>
+          <a:p>
+            <a:pPr lvl="0"/>
+            <a:r>
+              <a:rPr lang="en-US" sz="2200" dirty="0"/>
+              <a:t>You can write </a:t>
+            </a:r>
+            <a:r>
+              <a:rPr lang="en-US" sz="2200" b="1" dirty="0"/>
+              <a:t>HQL (Hibernate Query Language)</a:t>
+            </a:r>
+            <a:r>
+              <a:rPr lang="en-US" sz="2200" dirty="0"/>
+              <a:t> or native SQL queries to fetch and manipulate data.</a:t>
+            </a:r>
+          </a:p>
+          <a:p>
+            <a:pPr lvl="0"/>
+            <a:r>
+              <a:rPr lang="en-US" sz="2200" dirty="0"/>
+              <a:t>Example using HQL: Query&lt;Student&gt; query = </a:t>
+            </a:r>
+            <a:r>
+              <a:rPr lang="en-US" sz="2200" dirty="0" err="1"/>
+              <a:t>session.createQuery</a:t>
+            </a:r>
+            <a:r>
+              <a:rPr lang="en-US" sz="2200" dirty="0"/>
+              <a:t>("FROM Student WHERE name = :name", </a:t>
+            </a:r>
+            <a:r>
+              <a:rPr lang="en-US" sz="2200" dirty="0" err="1"/>
+              <a:t>Student.class</a:t>
+            </a:r>
+            <a:r>
+              <a:rPr lang="en-US" sz="2200" dirty="0"/>
+              <a:t>);</a:t>
+            </a:r>
+          </a:p>
+          <a:p>
+            <a:pPr marL="0" indent="0">
+              <a:buNone/>
+            </a:pPr>
+            <a:r>
+              <a:rPr lang="en-US" sz="2200" dirty="0"/>
+              <a:t>   </a:t>
+            </a:r>
+            <a:r>
+              <a:rPr lang="en-US" sz="2200" dirty="0" err="1"/>
+              <a:t>query.setParameter</a:t>
+            </a:r>
+            <a:r>
+              <a:rPr lang="en-US" sz="2200" dirty="0"/>
+              <a:t>("name", "Alice");</a:t>
+            </a:r>
+          </a:p>
+          <a:p>
+            <a:pPr marL="0" indent="0">
+              <a:buNone/>
+            </a:pPr>
+            <a:r>
+              <a:rPr lang="en-US" sz="2200" dirty="0"/>
+              <a:t>   List&lt;Student&gt; students = </a:t>
+            </a:r>
+            <a:r>
+              <a:rPr lang="en-US" sz="2200" dirty="0" err="1"/>
+              <a:t>query.list</a:t>
+            </a:r>
+            <a:r>
+              <a:rPr lang="en-US" sz="2200" dirty="0"/>
+              <a:t>();</a:t>
+            </a:r>
+          </a:p>
+          <a:p>
+            <a:pPr marL="0" lvl="0" indent="0" algn="just" fontAlgn="base">
+              <a:buNone/>
+            </a:pPr>
+            <a:endParaRPr lang="en-US" sz="2200" dirty="0"/>
+          </a:p>
+          <a:p>
+            <a:pPr algn="just"/>
+            <a:endParaRPr lang="en-US" sz="2200" dirty="0"/>
+          </a:p>
+        </p:txBody>
+      </p:sp>
+    </p:spTree>
+    <p:extLst>
+      <p:ext uri="{BB962C8B-B14F-4D97-AF65-F5344CB8AC3E}">
+        <p14:creationId xmlns:p14="http://schemas.microsoft.com/office/powerpoint/2010/main" val="2467064441"/>
+      </p:ext>
+    </p:extLst>
+  </p:cSld>
+  <p:clrMapOvr>
+    <a:masterClrMapping/>
+  </p:clrMapOvr>
+</p:sld>
+</file>
+
+<file path=ppt/slides/slide26.xml><?xml version="1.0" encoding="utf-8"?>
+<p:sld xmlns:a="http://schemas.openxmlformats.org/drawingml/2006/main" xmlns:r="http://schemas.openxmlformats.org/officeDocument/2006/relationships" xmlns:p="http://schemas.openxmlformats.org/presentationml/2006/main">
+  <p:cSld>
+    <p:spTree>
+      <p:nvGrpSpPr>
+        <p:cNvPr id="1" name=""/>
+        <p:cNvGrpSpPr/>
+        <p:nvPr/>
+      </p:nvGrpSpPr>
+      <p:grpSpPr>
+        <a:xfrm>
+          <a:off x="0" y="0"/>
+          <a:ext cx="0" cy="0"/>
+          <a:chOff x="0" y="0"/>
+          <a:chExt cx="0" cy="0"/>
+        </a:xfrm>
+      </p:grpSpPr>
+      <p:sp>
+        <p:nvSpPr>
+          <p:cNvPr id="2" name="Title 1">
+            <a:extLst>
+              <a:ext uri="{FF2B5EF4-FFF2-40B4-BE49-F238E27FC236}">
+                <a16:creationId xmlns:a16="http://schemas.microsoft.com/office/drawing/2014/main" id="{D201A86C-F8D4-5002-1AE6-40A73E91FDCD}"/>
+              </a:ext>
+            </a:extLst>
+          </p:cNvPr>
+          <p:cNvSpPr>
+            <a:spLocks noGrp="1"/>
+          </p:cNvSpPr>
+          <p:nvPr>
+            <p:ph type="title"/>
+          </p:nvPr>
+        </p:nvSpPr>
+        <p:spPr/>
+        <p:txBody>
+          <a:bodyPr>
+            <a:normAutofit/>
+          </a:bodyPr>
+          <a:lstStyle/>
+          <a:p>
+            <a:r>
+              <a:rPr lang="en-US" sz="3600" b="1" dirty="0"/>
+              <a:t>Criteria:</a:t>
+            </a:r>
+            <a:br>
+              <a:rPr lang="en-US" sz="3600" dirty="0"/>
+            </a:br>
+            <a:endParaRPr lang="en-US" sz="3600" dirty="0"/>
+          </a:p>
+        </p:txBody>
+      </p:sp>
+      <p:sp>
+        <p:nvSpPr>
+          <p:cNvPr id="3" name="Content Placeholder 2">
+            <a:extLst>
+              <a:ext uri="{FF2B5EF4-FFF2-40B4-BE49-F238E27FC236}">
+                <a16:creationId xmlns:a16="http://schemas.microsoft.com/office/drawing/2014/main" id="{76685A97-B617-A93C-0EED-84A76A2540B0}"/>
+              </a:ext>
+            </a:extLst>
+          </p:cNvPr>
+          <p:cNvSpPr>
+            <a:spLocks noGrp="1"/>
+          </p:cNvSpPr>
+          <p:nvPr>
+            <p:ph idx="1"/>
+          </p:nvPr>
+        </p:nvSpPr>
+        <p:spPr>
+          <a:xfrm>
+            <a:off x="838200" y="1034473"/>
+            <a:ext cx="10515600" cy="5142490"/>
+          </a:xfrm>
+        </p:spPr>
+        <p:txBody>
+          <a:bodyPr>
+            <a:noAutofit/>
+          </a:bodyPr>
+          <a:lstStyle/>
+          <a:p>
+            <a:pPr lvl="0" algn="just" fontAlgn="base"/>
+            <a:r>
+              <a:rPr lang="en-US" sz="2200" dirty="0"/>
+              <a:t>Criteria is a simplified API for retrieving entities by composing Criterion objects.</a:t>
+            </a:r>
+          </a:p>
+          <a:p>
+            <a:pPr lvl="0" algn="just" fontAlgn="base"/>
+            <a:r>
+              <a:rPr lang="en-US" sz="2200" dirty="0"/>
+              <a:t>The Session is a factory for Criteria. Criterion instances are usually obtained via the factory methods on Restrictions.</a:t>
+            </a:r>
+          </a:p>
+          <a:p>
+            <a:pPr marL="0" lvl="0" indent="0" algn="just" fontAlgn="base">
+              <a:buNone/>
+            </a:pPr>
+            <a:r>
+              <a:rPr lang="en-US" sz="2200" b="1" dirty="0"/>
+              <a:t>	Criteria criteria=</a:t>
+            </a:r>
+            <a:r>
+              <a:rPr lang="en-US" sz="2200" b="1" dirty="0" err="1"/>
+              <a:t>session.createCriteria</a:t>
+            </a:r>
+            <a:r>
+              <a:rPr lang="en-US" sz="2200" b="1" dirty="0"/>
+              <a:t>();</a:t>
+            </a:r>
+          </a:p>
+          <a:p>
+            <a:pPr lvl="0"/>
+            <a:r>
+              <a:rPr lang="en-US" sz="2200" dirty="0"/>
+              <a:t>The Criteria API is used to build dynamic queries programmatically without writing HQL.</a:t>
+            </a:r>
+          </a:p>
+          <a:p>
+            <a:pPr lvl="0"/>
+            <a:r>
+              <a:rPr lang="en-US" sz="2200" dirty="0"/>
+              <a:t>Example:</a:t>
+            </a:r>
+          </a:p>
+          <a:p>
+            <a:pPr marL="0" indent="0">
+              <a:buNone/>
+            </a:pPr>
+            <a:r>
+              <a:rPr lang="en-US" sz="2200" dirty="0"/>
+              <a:t>	</a:t>
+            </a:r>
+            <a:r>
+              <a:rPr lang="en-US" sz="2200" dirty="0" err="1"/>
+              <a:t>CriteriaBuilder</a:t>
+            </a:r>
+            <a:r>
+              <a:rPr lang="en-US" sz="2200" dirty="0"/>
+              <a:t> </a:t>
+            </a:r>
+            <a:r>
+              <a:rPr lang="en-US" sz="2200" dirty="0" err="1"/>
+              <a:t>cb</a:t>
+            </a:r>
+            <a:r>
+              <a:rPr lang="en-US" sz="2200" dirty="0"/>
+              <a:t> = </a:t>
+            </a:r>
+            <a:r>
+              <a:rPr lang="en-US" sz="2200" dirty="0" err="1"/>
+              <a:t>session.getCriteriaBuilder</a:t>
+            </a:r>
+            <a:r>
+              <a:rPr lang="en-US" sz="2200" dirty="0"/>
+              <a:t>();</a:t>
+            </a:r>
+          </a:p>
+          <a:p>
+            <a:pPr marL="0" indent="0">
+              <a:buNone/>
+            </a:pPr>
+            <a:r>
+              <a:rPr lang="en-US" sz="2200" dirty="0"/>
+              <a:t>	</a:t>
+            </a:r>
+            <a:r>
+              <a:rPr lang="en-US" sz="2200" dirty="0" err="1"/>
+              <a:t>CriteriaQuery</a:t>
+            </a:r>
+            <a:r>
+              <a:rPr lang="en-US" sz="2200" dirty="0"/>
+              <a:t>&lt;Student&gt; </a:t>
+            </a:r>
+            <a:r>
+              <a:rPr lang="en-US" sz="2200" dirty="0" err="1"/>
+              <a:t>cr</a:t>
+            </a:r>
+            <a:r>
+              <a:rPr lang="en-US" sz="2200" dirty="0"/>
+              <a:t> = </a:t>
+            </a:r>
+            <a:r>
+              <a:rPr lang="en-US" sz="2200" dirty="0" err="1"/>
+              <a:t>cb.createQuery</a:t>
+            </a:r>
+            <a:r>
+              <a:rPr lang="en-US" sz="2200" dirty="0"/>
+              <a:t>(</a:t>
+            </a:r>
+            <a:r>
+              <a:rPr lang="en-US" sz="2200" dirty="0" err="1"/>
+              <a:t>Student.class</a:t>
+            </a:r>
+            <a:r>
+              <a:rPr lang="en-US" sz="2200" dirty="0"/>
+              <a:t>);</a:t>
+            </a:r>
+          </a:p>
+          <a:p>
+            <a:pPr marL="0" indent="0">
+              <a:buNone/>
+            </a:pPr>
+            <a:r>
+              <a:rPr lang="en-US" sz="2200" dirty="0"/>
+              <a:t>	Root&lt;Student&gt; root = </a:t>
+            </a:r>
+            <a:r>
+              <a:rPr lang="en-US" sz="2200" dirty="0" err="1"/>
+              <a:t>cr.from</a:t>
+            </a:r>
+            <a:r>
+              <a:rPr lang="en-US" sz="2200" dirty="0"/>
+              <a:t>(</a:t>
+            </a:r>
+            <a:r>
+              <a:rPr lang="en-US" sz="2200" dirty="0" err="1"/>
+              <a:t>Student.class</a:t>
+            </a:r>
+            <a:r>
+              <a:rPr lang="en-US" sz="2200" dirty="0"/>
+              <a:t>);</a:t>
+            </a:r>
+          </a:p>
+          <a:p>
+            <a:pPr marL="0" indent="0">
+              <a:buNone/>
+            </a:pPr>
+            <a:r>
+              <a:rPr lang="en-US" sz="2200" dirty="0"/>
+              <a:t>	</a:t>
+            </a:r>
+            <a:r>
+              <a:rPr lang="en-US" sz="2200" dirty="0" err="1"/>
+              <a:t>cr.select</a:t>
+            </a:r>
+            <a:r>
+              <a:rPr lang="en-US" sz="2200" dirty="0"/>
+              <a:t>(root).where(</a:t>
+            </a:r>
+            <a:r>
+              <a:rPr lang="en-US" sz="2200" dirty="0" err="1"/>
+              <a:t>cb.equal</a:t>
+            </a:r>
+            <a:r>
+              <a:rPr lang="en-US" sz="2200" dirty="0"/>
+              <a:t>(</a:t>
+            </a:r>
+            <a:r>
+              <a:rPr lang="en-US" sz="2200" dirty="0" err="1"/>
+              <a:t>root.get</a:t>
+            </a:r>
+            <a:r>
+              <a:rPr lang="en-US" sz="2200" dirty="0"/>
+              <a:t>("name"), "Alice"));</a:t>
+            </a:r>
+          </a:p>
+          <a:p>
+            <a:pPr marL="0" indent="0">
+              <a:buNone/>
+            </a:pPr>
+            <a:r>
+              <a:rPr lang="en-US" sz="2200" dirty="0"/>
+              <a:t> </a:t>
+            </a:r>
+          </a:p>
+          <a:p>
+            <a:pPr marL="0" indent="0">
+              <a:buNone/>
+            </a:pPr>
+            <a:r>
+              <a:rPr lang="en-US" sz="2200" dirty="0"/>
+              <a:t>	Query&lt;Student&gt; query = </a:t>
+            </a:r>
+            <a:r>
+              <a:rPr lang="en-US" sz="2200" dirty="0" err="1"/>
+              <a:t>session.createQuery</a:t>
+            </a:r>
+            <a:r>
+              <a:rPr lang="en-US" sz="2200" dirty="0"/>
+              <a:t>(</a:t>
+            </a:r>
+            <a:r>
+              <a:rPr lang="en-US" sz="2200" dirty="0" err="1"/>
+              <a:t>cr</a:t>
+            </a:r>
+            <a:r>
+              <a:rPr lang="en-US" sz="2200" dirty="0"/>
+              <a:t>);</a:t>
+            </a:r>
+          </a:p>
+          <a:p>
+            <a:pPr marL="0" indent="0">
+              <a:buNone/>
+            </a:pPr>
+            <a:r>
+              <a:rPr lang="en-US" sz="2200" dirty="0"/>
+              <a:t>	List&lt;Student&gt; results = </a:t>
+            </a:r>
+            <a:r>
+              <a:rPr lang="en-US" sz="2200" dirty="0" err="1"/>
+              <a:t>query.getResultList</a:t>
+            </a:r>
+            <a:r>
+              <a:rPr lang="en-US" sz="2200" dirty="0"/>
+              <a:t>();</a:t>
+            </a:r>
+          </a:p>
+          <a:p>
+            <a:pPr marL="0" lvl="0" indent="0" algn="just" fontAlgn="base">
+              <a:buNone/>
+            </a:pPr>
+            <a:endParaRPr lang="en-US" sz="2200" dirty="0"/>
+          </a:p>
+          <a:p>
+            <a:pPr algn="just"/>
+            <a:endParaRPr lang="en-US" sz="2200" dirty="0"/>
+          </a:p>
+        </p:txBody>
+      </p:sp>
+    </p:spTree>
+    <p:extLst>
+      <p:ext uri="{BB962C8B-B14F-4D97-AF65-F5344CB8AC3E}">
+        <p14:creationId xmlns:p14="http://schemas.microsoft.com/office/powerpoint/2010/main" val="1692224325"/>
+      </p:ext>
+    </p:extLst>
+  </p:cSld>
+  <p:clrMapOvr>
+    <a:masterClrMapping/>
+  </p:clrMapOvr>
+</p:sld>
+</file>
+
+<file path=ppt/slides/slide27.xml><?xml version="1.0" encoding="utf-8"?>
+<p:sld xmlns:a="http://schemas.openxmlformats.org/drawingml/2006/main" xmlns:r="http://schemas.openxmlformats.org/officeDocument/2006/relationships" xmlns:p="http://schemas.openxmlformats.org/presentationml/2006/main">
+  <p:cSld>
+    <p:spTree>
+      <p:nvGrpSpPr>
+        <p:cNvPr id="1" name=""/>
+        <p:cNvGrpSpPr/>
+        <p:nvPr/>
+      </p:nvGrpSpPr>
+      <p:grpSpPr>
+        <a:xfrm>
+          <a:off x="0" y="0"/>
+          <a:ext cx="0" cy="0"/>
+          <a:chOff x="0" y="0"/>
+          <a:chExt cx="0" cy="0"/>
+        </a:xfrm>
+      </p:grpSpPr>
+      <p:sp>
+        <p:nvSpPr>
+          <p:cNvPr id="2" name="Title 1">
+            <a:extLst>
+              <a:ext uri="{FF2B5EF4-FFF2-40B4-BE49-F238E27FC236}">
+                <a16:creationId xmlns:a16="http://schemas.microsoft.com/office/drawing/2014/main" id="{2FDDFB30-358B-79A1-145E-0737488458C2}"/>
+              </a:ext>
+            </a:extLst>
+          </p:cNvPr>
+          <p:cNvSpPr>
+            <a:spLocks noGrp="1"/>
+          </p:cNvSpPr>
+          <p:nvPr>
+            <p:ph type="title"/>
+          </p:nvPr>
+        </p:nvSpPr>
+        <p:spPr>
+          <a:xfrm>
+            <a:off x="838200" y="365126"/>
+            <a:ext cx="10515600" cy="687820"/>
+          </a:xfrm>
+        </p:spPr>
+        <p:txBody>
+          <a:bodyPr>
+            <a:normAutofit/>
+          </a:bodyPr>
+          <a:lstStyle/>
+          <a:p>
+            <a:r>
+              <a:rPr lang="en-US" sz="3600" b="1" dirty="0"/>
+              <a:t>Entity:</a:t>
+            </a:r>
+            <a:endParaRPr lang="en-US" sz="3600" dirty="0"/>
+          </a:p>
+        </p:txBody>
+      </p:sp>
+      <p:sp>
+        <p:nvSpPr>
+          <p:cNvPr id="3" name="Content Placeholder 2">
+            <a:extLst>
+              <a:ext uri="{FF2B5EF4-FFF2-40B4-BE49-F238E27FC236}">
+                <a16:creationId xmlns:a16="http://schemas.microsoft.com/office/drawing/2014/main" id="{DFDBFA07-0B48-F365-89DB-8040CEF318A0}"/>
+              </a:ext>
+            </a:extLst>
+          </p:cNvPr>
+          <p:cNvSpPr>
+            <a:spLocks noGrp="1"/>
+          </p:cNvSpPr>
+          <p:nvPr>
+            <p:ph idx="1"/>
+          </p:nvPr>
+        </p:nvSpPr>
+        <p:spPr>
+          <a:xfrm>
+            <a:off x="838200" y="979054"/>
+            <a:ext cx="10515600" cy="5878945"/>
+          </a:xfrm>
+        </p:spPr>
+        <p:txBody>
+          <a:bodyPr>
+            <a:normAutofit fontScale="77500" lnSpcReduction="20000"/>
+          </a:bodyPr>
+          <a:lstStyle/>
+          <a:p>
+            <a:pPr lvl="0"/>
+            <a:endParaRPr lang="en-US" sz="2400" dirty="0"/>
+          </a:p>
+          <a:p>
+            <a:pPr lvl="0"/>
+            <a:r>
+              <a:rPr lang="en-US" dirty="0"/>
+              <a:t>Entities are plain old Java objects (POJOs) annotated with Hibernate or JPA annotations to map them to database tables.</a:t>
+            </a:r>
+          </a:p>
+          <a:p>
+            <a:pPr lvl="0"/>
+            <a:endParaRPr lang="en-US" sz="2600" dirty="0"/>
+          </a:p>
+          <a:p>
+            <a:pPr lvl="0"/>
+            <a:r>
+              <a:rPr lang="en-US" sz="2600" dirty="0"/>
+              <a:t>Example:</a:t>
+            </a:r>
+          </a:p>
+          <a:p>
+            <a:pPr marL="0" indent="0">
+              <a:buNone/>
+            </a:pPr>
+            <a:r>
+              <a:rPr lang="en-US" sz="2600" dirty="0"/>
+              <a:t>	@Entity</a:t>
+            </a:r>
+          </a:p>
+          <a:p>
+            <a:pPr marL="0" indent="0">
+              <a:buNone/>
+            </a:pPr>
+            <a:r>
+              <a:rPr lang="en-US" sz="2600" dirty="0"/>
+              <a:t>	@Table(name = "students")</a:t>
+            </a:r>
+          </a:p>
+          <a:p>
+            <a:pPr marL="0" indent="0">
+              <a:buNone/>
+            </a:pPr>
+            <a:r>
+              <a:rPr lang="en-US" sz="2600" dirty="0"/>
+              <a:t>	public class Student {</a:t>
+            </a:r>
+          </a:p>
+          <a:p>
+            <a:pPr marL="0" indent="0">
+              <a:buNone/>
+            </a:pPr>
+            <a:r>
+              <a:rPr lang="en-US" sz="2600" dirty="0"/>
+              <a:t>		@Id</a:t>
+            </a:r>
+          </a:p>
+          <a:p>
+            <a:pPr marL="0" indent="0">
+              <a:buNone/>
+            </a:pPr>
+            <a:r>
+              <a:rPr lang="en-US" sz="2600" dirty="0"/>
+              <a:t>		@GeneratedValue(strategy = </a:t>
+            </a:r>
+            <a:r>
+              <a:rPr lang="en-US" sz="2600" dirty="0" err="1"/>
+              <a:t>GenerationType.IDENTITY</a:t>
+            </a:r>
+            <a:r>
+              <a:rPr lang="en-US" sz="2600" dirty="0"/>
+              <a:t>)</a:t>
+            </a:r>
+          </a:p>
+          <a:p>
+            <a:pPr marL="0" indent="0">
+              <a:buNone/>
+            </a:pPr>
+            <a:r>
+              <a:rPr lang="en-US" sz="2600" dirty="0"/>
+              <a:t>		private int id; </a:t>
+            </a:r>
+          </a:p>
+          <a:p>
+            <a:pPr marL="0" indent="0">
+              <a:buNone/>
+            </a:pPr>
+            <a:r>
+              <a:rPr lang="en-US" sz="2600" dirty="0"/>
+              <a:t>		@Column(name = "name")</a:t>
+            </a:r>
+          </a:p>
+          <a:p>
+            <a:pPr marL="0" indent="0">
+              <a:buNone/>
+            </a:pPr>
+            <a:r>
+              <a:rPr lang="en-US" sz="2600" dirty="0"/>
+              <a:t>		private String name;</a:t>
+            </a:r>
+          </a:p>
+          <a:p>
+            <a:pPr marL="0" indent="0">
+              <a:buNone/>
+            </a:pPr>
+            <a:r>
+              <a:rPr lang="en-US" sz="2600" dirty="0"/>
+              <a:t>		@Column(name = "email")</a:t>
+            </a:r>
+          </a:p>
+          <a:p>
+            <a:pPr marL="0" indent="0">
+              <a:buNone/>
+            </a:pPr>
+            <a:r>
+              <a:rPr lang="en-US" sz="2600" dirty="0"/>
+              <a:t>		private String email; </a:t>
+            </a:r>
+          </a:p>
+          <a:p>
+            <a:pPr marL="0" indent="0">
+              <a:buNone/>
+            </a:pPr>
+            <a:r>
+              <a:rPr lang="en-US" sz="2600" dirty="0"/>
+              <a:t>		// Getters and setters</a:t>
+            </a:r>
+          </a:p>
+          <a:p>
+            <a:pPr marL="0" indent="0">
+              <a:buNone/>
+            </a:pPr>
+            <a:r>
+              <a:rPr lang="en-US" sz="2600" dirty="0"/>
+              <a:t>	}</a:t>
+            </a:r>
+          </a:p>
+          <a:p>
+            <a:endParaRPr lang="en-US" sz="2600" dirty="0"/>
+          </a:p>
+        </p:txBody>
+      </p:sp>
+    </p:spTree>
+    <p:extLst>
+      <p:ext uri="{BB962C8B-B14F-4D97-AF65-F5344CB8AC3E}">
+        <p14:creationId xmlns:p14="http://schemas.microsoft.com/office/powerpoint/2010/main" val="1674440436"/>
+      </p:ext>
+    </p:extLst>
+  </p:cSld>
+  <p:clrMapOvr>
+    <a:masterClrMapping/>
+  </p:clrMapOvr>
+</p:sld>
+</file>
+
+<file path=ppt/slides/slide28.xml><?xml version="1.0" encoding="utf-8"?>
+<p:sld xmlns:a="http://schemas.openxmlformats.org/drawingml/2006/main" xmlns:r="http://schemas.openxmlformats.org/officeDocument/2006/relationships" xmlns:p="http://schemas.openxmlformats.org/presentationml/2006/main">
+  <p:cSld>
+    <p:spTree>
+      <p:nvGrpSpPr>
+        <p:cNvPr id="1" name=""/>
+        <p:cNvGrpSpPr/>
+        <p:nvPr/>
+      </p:nvGrpSpPr>
+      <p:grpSpPr>
+        <a:xfrm>
+          <a:off x="0" y="0"/>
+          <a:ext cx="0" cy="0"/>
+          <a:chOff x="0" y="0"/>
+          <a:chExt cx="0" cy="0"/>
+        </a:xfrm>
+      </p:grpSpPr>
+      <p:sp>
+        <p:nvSpPr>
+          <p:cNvPr id="3" name="Content Placeholder 2">
+            <a:extLst>
+              <a:ext uri="{FF2B5EF4-FFF2-40B4-BE49-F238E27FC236}">
+                <a16:creationId xmlns:a16="http://schemas.microsoft.com/office/drawing/2014/main" id="{D2907107-9709-44EB-EE67-04E279BDD6B1}"/>
+              </a:ext>
+            </a:extLst>
+          </p:cNvPr>
+          <p:cNvSpPr>
+            <a:spLocks noGrp="1"/>
+          </p:cNvSpPr>
+          <p:nvPr>
+            <p:ph idx="1"/>
+          </p:nvPr>
+        </p:nvSpPr>
+        <p:spPr>
+          <a:xfrm>
+            <a:off x="838200" y="603504"/>
+            <a:ext cx="10515600" cy="5573459"/>
+          </a:xfrm>
+        </p:spPr>
+        <p:txBody>
+          <a:bodyPr>
+            <a:normAutofit/>
+          </a:bodyPr>
+          <a:lstStyle/>
+          <a:p>
+            <a:r>
+              <a:rPr lang="en-US" dirty="0"/>
+              <a:t>Persistent Context</a:t>
+            </a:r>
+          </a:p>
+          <a:p>
+            <a:pPr marL="457200" lvl="1" indent="0">
+              <a:buNone/>
+            </a:pPr>
+            <a:r>
+              <a:rPr lang="en-US" dirty="0"/>
+              <a:t>The </a:t>
+            </a:r>
+            <a:r>
+              <a:rPr lang="en-US" b="1" dirty="0"/>
+              <a:t>persistence context</a:t>
+            </a:r>
+            <a:r>
+              <a:rPr lang="en-US" dirty="0"/>
+              <a:t> is the runtime environment where Hibernate manages persistent objects.</a:t>
+            </a:r>
+          </a:p>
+          <a:p>
+            <a:pPr marL="457200" lvl="1" indent="0">
+              <a:buNone/>
+            </a:pPr>
+            <a:endParaRPr lang="en-US" dirty="0"/>
+          </a:p>
+          <a:p>
+            <a:pPr marL="457200" lvl="1" indent="0">
+              <a:buNone/>
+            </a:pPr>
+            <a:r>
+              <a:rPr lang="en-US" dirty="0"/>
+              <a:t>It is tied to the lifecycle of a Session and ensures that changes made to objects in memory are synchronized with the database.</a:t>
+            </a:r>
+          </a:p>
+          <a:p>
+            <a:pPr marL="457200" lvl="1" indent="0">
+              <a:buNone/>
+            </a:pPr>
+            <a:endParaRPr lang="en-US" dirty="0"/>
+          </a:p>
+          <a:p>
+            <a:r>
+              <a:rPr lang="en-US" dirty="0"/>
+              <a:t>HQL (Hibernate Query Language)</a:t>
+            </a:r>
+          </a:p>
+          <a:p>
+            <a:pPr marL="457200" lvl="1" indent="0">
+              <a:buNone/>
+            </a:pPr>
+            <a:r>
+              <a:rPr lang="en-US" dirty="0"/>
+              <a:t>HQL is an object-oriented query language, similar to SQL but focused on entity objects rather than database tables.</a:t>
+            </a:r>
+          </a:p>
+          <a:p>
+            <a:pPr marL="457200" lvl="1" indent="0">
+              <a:buNone/>
+            </a:pPr>
+            <a:endParaRPr lang="en-US" dirty="0"/>
+          </a:p>
+          <a:p>
+            <a:pPr marL="457200" lvl="1" indent="0">
+              <a:buNone/>
+            </a:pPr>
+            <a:r>
+              <a:rPr lang="en-US" dirty="0"/>
+              <a:t>Example:</a:t>
+            </a:r>
+          </a:p>
+          <a:p>
+            <a:pPr marL="457200" lvl="1" indent="0">
+              <a:buNone/>
+            </a:pPr>
+            <a:r>
+              <a:rPr lang="en-US" dirty="0"/>
+              <a:t>List&lt;Student&gt; students = </a:t>
+            </a:r>
+            <a:r>
+              <a:rPr lang="en-US" dirty="0" err="1"/>
+              <a:t>session.createQuery</a:t>
+            </a:r>
+            <a:r>
+              <a:rPr lang="en-US" dirty="0"/>
+              <a:t>("FROM Student WHERE name = 'Alice'", </a:t>
+            </a:r>
+            <a:r>
+              <a:rPr lang="en-US" dirty="0" err="1"/>
+              <a:t>Student.class</a:t>
+            </a:r>
+            <a:r>
+              <a:rPr lang="en-US" dirty="0"/>
+              <a:t>).list();</a:t>
+            </a:r>
+          </a:p>
+          <a:p>
+            <a:endParaRPr lang="en-US" dirty="0"/>
+          </a:p>
+        </p:txBody>
+      </p:sp>
+    </p:spTree>
+    <p:extLst>
+      <p:ext uri="{BB962C8B-B14F-4D97-AF65-F5344CB8AC3E}">
+        <p14:creationId xmlns:p14="http://schemas.microsoft.com/office/powerpoint/2010/main" val="3199336805"/>
+      </p:ext>
+    </p:extLst>
+  </p:cSld>
+  <p:clrMapOvr>
+    <a:masterClrMapping/>
+  </p:clrMapOvr>
+</p:sld>
+</file>
+
+<file path=ppt/slides/slide29.xml><?xml version="1.0" encoding="utf-8"?>
+<p:sld xmlns:a="http://schemas.openxmlformats.org/drawingml/2006/main" xmlns:r="http://schemas.openxmlformats.org/officeDocument/2006/relationships" xmlns:p="http://schemas.openxmlformats.org/presentationml/2006/main">
+  <p:cSld>
+    <p:spTree>
+      <p:nvGrpSpPr>
+        <p:cNvPr id="1" name=""/>
+        <p:cNvGrpSpPr/>
+        <p:nvPr/>
+      </p:nvGrpSpPr>
+      <p:grpSpPr>
+        <a:xfrm>
+          <a:off x="0" y="0"/>
+          <a:ext cx="0" cy="0"/>
+          <a:chOff x="0" y="0"/>
+          <a:chExt cx="0" cy="0"/>
+        </a:xfrm>
+      </p:grpSpPr>
+      <p:sp>
+        <p:nvSpPr>
+          <p:cNvPr id="3" name="Content Placeholder 2">
+            <a:extLst>
+              <a:ext uri="{FF2B5EF4-FFF2-40B4-BE49-F238E27FC236}">
+                <a16:creationId xmlns:a16="http://schemas.microsoft.com/office/drawing/2014/main" id="{2369B933-765A-00BE-EE72-F7811E43054E}"/>
+              </a:ext>
+            </a:extLst>
+          </p:cNvPr>
+          <p:cNvSpPr>
+            <a:spLocks noGrp="1"/>
+          </p:cNvSpPr>
+          <p:nvPr>
+            <p:ph idx="1"/>
+          </p:nvPr>
+        </p:nvSpPr>
+        <p:spPr>
+          <a:xfrm>
+            <a:off x="838200" y="557784"/>
+            <a:ext cx="10515600" cy="5619179"/>
+          </a:xfrm>
+        </p:spPr>
+        <p:txBody>
+          <a:bodyPr>
+            <a:normAutofit lnSpcReduction="10000"/>
+          </a:bodyPr>
+          <a:lstStyle/>
+          <a:p>
+            <a:r>
+              <a:rPr lang="en-US" dirty="0"/>
+              <a:t>Hibernate Dialect</a:t>
+            </a:r>
+          </a:p>
+          <a:p>
+            <a:pPr marL="457200" lvl="1" indent="0">
+              <a:buNone/>
+            </a:pPr>
+            <a:r>
+              <a:rPr lang="en-US" dirty="0"/>
+              <a:t>Hibernate uses dialects to generate database-specific SQL queries.</a:t>
+            </a:r>
+          </a:p>
+          <a:p>
+            <a:pPr marL="457200" lvl="1" indent="0">
+              <a:buNone/>
+            </a:pPr>
+            <a:r>
+              <a:rPr lang="en-US" dirty="0"/>
+              <a:t>Examples include:</a:t>
+            </a:r>
+          </a:p>
+          <a:p>
+            <a:pPr lvl="2"/>
+            <a:r>
+              <a:rPr lang="en-US" dirty="0" err="1"/>
+              <a:t>org.hibernate.dialect.MySQLDialect</a:t>
+            </a:r>
+            <a:r>
+              <a:rPr lang="en-US" dirty="0"/>
+              <a:t> (for MySQL)</a:t>
+            </a:r>
+          </a:p>
+          <a:p>
+            <a:pPr lvl="2"/>
+            <a:r>
+              <a:rPr lang="en-US" dirty="0" err="1"/>
+              <a:t>org.hibernate.dialect.PostgreSQLDialect</a:t>
+            </a:r>
+            <a:r>
+              <a:rPr lang="en-US" dirty="0"/>
+              <a:t> (for PostgreSQL)</a:t>
+            </a:r>
+          </a:p>
+          <a:p>
+            <a:pPr lvl="2"/>
+            <a:r>
+              <a:rPr lang="en-US" dirty="0" err="1"/>
+              <a:t>org.hibernate.dialect.SQLServerDialect</a:t>
+            </a:r>
+            <a:r>
+              <a:rPr lang="en-US" dirty="0"/>
+              <a:t> (for SQL Server)</a:t>
+            </a:r>
+          </a:p>
+          <a:p>
+            <a:pPr marL="0" indent="0">
+              <a:buNone/>
+            </a:pPr>
+            <a:endParaRPr lang="en-US" dirty="0"/>
+          </a:p>
+          <a:p>
+            <a:r>
+              <a:rPr lang="en-US" dirty="0"/>
+              <a:t>Caching</a:t>
+            </a:r>
+          </a:p>
+          <a:p>
+            <a:pPr marL="457200" lvl="1" indent="0">
+              <a:buNone/>
+            </a:pPr>
+            <a:r>
+              <a:rPr lang="en-US" dirty="0"/>
+              <a:t>Hibernate supports </a:t>
+            </a:r>
+            <a:r>
+              <a:rPr lang="en-US" b="1" dirty="0"/>
+              <a:t>first-level caching</a:t>
+            </a:r>
+            <a:r>
+              <a:rPr lang="en-US" dirty="0"/>
+              <a:t> (enabled by default) and </a:t>
+            </a:r>
+            <a:r>
+              <a:rPr lang="en-US" b="1" dirty="0"/>
+              <a:t>second-level caching</a:t>
+            </a:r>
+            <a:r>
+              <a:rPr lang="en-US" dirty="0"/>
+              <a:t> for optimizing database performance.</a:t>
+            </a:r>
+          </a:p>
+          <a:p>
+            <a:pPr marL="457200" lvl="1" indent="0">
+              <a:buNone/>
+            </a:pPr>
+            <a:endParaRPr lang="en-US" dirty="0"/>
+          </a:p>
+          <a:p>
+            <a:pPr marL="457200" lvl="1" indent="0">
+              <a:buNone/>
+            </a:pPr>
+            <a:r>
+              <a:rPr lang="en-US" dirty="0"/>
+              <a:t>First-level cache: Scoped to the Hibernate session.</a:t>
+            </a:r>
+          </a:p>
+          <a:p>
+            <a:pPr marL="457200" lvl="1" indent="0">
+              <a:buNone/>
+            </a:pPr>
+            <a:endParaRPr lang="en-US" dirty="0"/>
+          </a:p>
+          <a:p>
+            <a:pPr marL="457200" lvl="1" indent="0">
+              <a:buNone/>
+            </a:pPr>
+            <a:r>
+              <a:rPr lang="en-US" dirty="0"/>
+              <a:t>Second-level cache: Shared across sessions (requires external cache providers like </a:t>
+            </a:r>
+            <a:r>
+              <a:rPr lang="en-US" dirty="0" err="1"/>
+              <a:t>Ehcache</a:t>
+            </a:r>
+            <a:r>
+              <a:rPr lang="en-US" dirty="0"/>
+              <a:t>).</a:t>
+            </a:r>
+          </a:p>
+          <a:p>
+            <a:endParaRPr lang="en-US" dirty="0"/>
+          </a:p>
+        </p:txBody>
+      </p:sp>
+    </p:spTree>
+    <p:extLst>
+      <p:ext uri="{BB962C8B-B14F-4D97-AF65-F5344CB8AC3E}">
+        <p14:creationId xmlns:p14="http://schemas.microsoft.com/office/powerpoint/2010/main" val="3601175189"/>
       </p:ext>
     </p:extLst>
   </p:cSld>
@@ -6346,6 +9340,2198 @@
 </p:sld>
 </file>
 
+<file path=ppt/slides/slide30.xml><?xml version="1.0" encoding="utf-8"?>
+<p:sld xmlns:a="http://schemas.openxmlformats.org/drawingml/2006/main" xmlns:r="http://schemas.openxmlformats.org/officeDocument/2006/relationships" xmlns:p="http://schemas.openxmlformats.org/presentationml/2006/main">
+  <p:cSld>
+    <p:spTree>
+      <p:nvGrpSpPr>
+        <p:cNvPr id="1" name=""/>
+        <p:cNvGrpSpPr/>
+        <p:nvPr/>
+      </p:nvGrpSpPr>
+      <p:grpSpPr>
+        <a:xfrm>
+          <a:off x="0" y="0"/>
+          <a:ext cx="0" cy="0"/>
+          <a:chOff x="0" y="0"/>
+          <a:chExt cx="0" cy="0"/>
+        </a:xfrm>
+      </p:grpSpPr>
+      <p:sp>
+        <p:nvSpPr>
+          <p:cNvPr id="2" name="Title 1">
+            <a:extLst>
+              <a:ext uri="{FF2B5EF4-FFF2-40B4-BE49-F238E27FC236}">
+                <a16:creationId xmlns:a16="http://schemas.microsoft.com/office/drawing/2014/main" id="{8BE4811A-A423-A12D-DC25-C639721E3AD6}"/>
+              </a:ext>
+            </a:extLst>
+          </p:cNvPr>
+          <p:cNvSpPr>
+            <a:spLocks noGrp="1"/>
+          </p:cNvSpPr>
+          <p:nvPr>
+            <p:ph type="title"/>
+          </p:nvPr>
+        </p:nvSpPr>
+        <p:spPr/>
+        <p:txBody>
+          <a:bodyPr>
+            <a:noAutofit/>
+          </a:bodyPr>
+          <a:lstStyle/>
+          <a:p>
+            <a:r>
+              <a:rPr lang="en-US" sz="3600" b="1" dirty="0"/>
+              <a:t>What’s the difference between .</a:t>
+            </a:r>
+            <a:r>
+              <a:rPr lang="en-US" sz="3600" b="1" dirty="0" err="1"/>
+              <a:t>hbm</a:t>
+            </a:r>
+            <a:r>
+              <a:rPr lang="en-US" sz="3600" b="1" dirty="0"/>
+              <a:t> and annotation in hibernate ?</a:t>
+            </a:r>
+            <a:br>
+              <a:rPr lang="en-US" sz="3600" dirty="0"/>
+            </a:br>
+            <a:endParaRPr lang="en-US" sz="3600" dirty="0"/>
+          </a:p>
+        </p:txBody>
+      </p:sp>
+      <p:sp>
+        <p:nvSpPr>
+          <p:cNvPr id="3" name="Content Placeholder 2">
+            <a:extLst>
+              <a:ext uri="{FF2B5EF4-FFF2-40B4-BE49-F238E27FC236}">
+                <a16:creationId xmlns:a16="http://schemas.microsoft.com/office/drawing/2014/main" id="{C96405C8-B4FB-41E4-73B9-8303AA61CDA2}"/>
+              </a:ext>
+            </a:extLst>
+          </p:cNvPr>
+          <p:cNvSpPr>
+            <a:spLocks noGrp="1"/>
+          </p:cNvSpPr>
+          <p:nvPr>
+            <p:ph idx="1"/>
+          </p:nvPr>
+        </p:nvSpPr>
+        <p:spPr>
+          <a:xfrm>
+            <a:off x="838200" y="1600200"/>
+            <a:ext cx="10515600" cy="5020056"/>
+          </a:xfrm>
+        </p:spPr>
+        <p:txBody>
+          <a:bodyPr>
+            <a:normAutofit fontScale="92500" lnSpcReduction="10000"/>
+          </a:bodyPr>
+          <a:lstStyle/>
+          <a:p>
+            <a:r>
+              <a:rPr lang="en-US" dirty="0"/>
+              <a:t>In Hibernate, .</a:t>
+            </a:r>
+            <a:r>
+              <a:rPr lang="en-US" dirty="0" err="1"/>
+              <a:t>hbm</a:t>
+            </a:r>
+            <a:r>
+              <a:rPr lang="en-US" dirty="0"/>
+              <a:t> files and annotations are two ways to map Java objects (entities) to database tables.</a:t>
+            </a:r>
+          </a:p>
+          <a:p>
+            <a:pPr marL="0" indent="0">
+              <a:buNone/>
+            </a:pPr>
+            <a:endParaRPr lang="en-US" dirty="0"/>
+          </a:p>
+          <a:p>
+            <a:pPr marL="0" indent="0">
+              <a:buNone/>
+            </a:pPr>
+            <a:r>
+              <a:rPr lang="en-US" b="1" dirty="0"/>
+              <a:t>Definition and Approach</a:t>
+            </a:r>
+            <a:endParaRPr lang="en-US" dirty="0"/>
+          </a:p>
+          <a:p>
+            <a:pPr marL="0" lvl="0" indent="0">
+              <a:buNone/>
+            </a:pPr>
+            <a:r>
+              <a:rPr lang="en-US" b="1" dirty="0"/>
+              <a:t>.</a:t>
+            </a:r>
+            <a:r>
+              <a:rPr lang="en-US" b="1" dirty="0" err="1"/>
+              <a:t>hbm</a:t>
+            </a:r>
+            <a:r>
+              <a:rPr lang="en-US" b="1" dirty="0"/>
+              <a:t> Files</a:t>
+            </a:r>
+            <a:r>
+              <a:rPr lang="en-US" dirty="0"/>
+              <a:t>:</a:t>
+            </a:r>
+          </a:p>
+          <a:p>
+            <a:pPr lvl="1"/>
+            <a:r>
+              <a:rPr lang="en-US" dirty="0"/>
+              <a:t>Stands for Hibernate Mapping files.</a:t>
+            </a:r>
+          </a:p>
+          <a:p>
+            <a:pPr lvl="1"/>
+            <a:r>
+              <a:rPr lang="en-US" dirty="0"/>
+              <a:t>These are XML-based configuration files where mappings between Java classes and database tables are defined.</a:t>
+            </a:r>
+          </a:p>
+          <a:p>
+            <a:pPr lvl="1"/>
+            <a:r>
+              <a:rPr lang="en-US" dirty="0"/>
+              <a:t>Typically have the extension .hbm.xml.</a:t>
+            </a:r>
+          </a:p>
+          <a:p>
+            <a:pPr marL="0" lvl="0" indent="0">
+              <a:buNone/>
+            </a:pPr>
+            <a:r>
+              <a:rPr lang="en-US" b="1" dirty="0"/>
+              <a:t>Annotations</a:t>
+            </a:r>
+            <a:r>
+              <a:rPr lang="en-US" dirty="0"/>
+              <a:t>:</a:t>
+            </a:r>
+          </a:p>
+          <a:p>
+            <a:pPr lvl="1"/>
+            <a:r>
+              <a:rPr lang="en-US" dirty="0"/>
+              <a:t>Use Java's annotation feature (@Annotation) to define the mapping directly in the Java entity classes.</a:t>
+            </a:r>
+          </a:p>
+          <a:p>
+            <a:pPr lvl="1"/>
+            <a:r>
+              <a:rPr lang="en-US" dirty="0"/>
+              <a:t>Introduced in Hibernate 3.0 to reduce the need for external XML files.</a:t>
+            </a:r>
+            <a:br>
+              <a:rPr lang="en-US" dirty="0"/>
+            </a:br>
+            <a:endParaRPr lang="en-US" dirty="0"/>
+          </a:p>
+        </p:txBody>
+      </p:sp>
+    </p:spTree>
+    <p:extLst>
+      <p:ext uri="{BB962C8B-B14F-4D97-AF65-F5344CB8AC3E}">
+        <p14:creationId xmlns:p14="http://schemas.microsoft.com/office/powerpoint/2010/main" val="641426036"/>
+      </p:ext>
+    </p:extLst>
+  </p:cSld>
+  <p:clrMapOvr>
+    <a:masterClrMapping/>
+  </p:clrMapOvr>
+</p:sld>
+</file>
+
+<file path=ppt/slides/slide31.xml><?xml version="1.0" encoding="utf-8"?>
+<p:sld xmlns:a="http://schemas.openxmlformats.org/drawingml/2006/main" xmlns:r="http://schemas.openxmlformats.org/officeDocument/2006/relationships" xmlns:p="http://schemas.openxmlformats.org/presentationml/2006/main">
+  <p:cSld>
+    <p:spTree>
+      <p:nvGrpSpPr>
+        <p:cNvPr id="1" name=""/>
+        <p:cNvGrpSpPr/>
+        <p:nvPr/>
+      </p:nvGrpSpPr>
+      <p:grpSpPr>
+        <a:xfrm>
+          <a:off x="0" y="0"/>
+          <a:ext cx="0" cy="0"/>
+          <a:chOff x="0" y="0"/>
+          <a:chExt cx="0" cy="0"/>
+        </a:xfrm>
+      </p:grpSpPr>
+      <p:sp>
+        <p:nvSpPr>
+          <p:cNvPr id="3" name="Content Placeholder 2">
+            <a:extLst>
+              <a:ext uri="{FF2B5EF4-FFF2-40B4-BE49-F238E27FC236}">
+                <a16:creationId xmlns:a16="http://schemas.microsoft.com/office/drawing/2014/main" id="{D0FD6F7B-71DA-3088-9EE3-BB607D53BD05}"/>
+              </a:ext>
+            </a:extLst>
+          </p:cNvPr>
+          <p:cNvSpPr>
+            <a:spLocks noGrp="1"/>
+          </p:cNvSpPr>
+          <p:nvPr>
+            <p:ph idx="1"/>
+          </p:nvPr>
+        </p:nvSpPr>
+        <p:spPr>
+          <a:xfrm>
+            <a:off x="838200" y="896112"/>
+            <a:ext cx="10515600" cy="5280851"/>
+          </a:xfrm>
+        </p:spPr>
+        <p:txBody>
+          <a:bodyPr>
+            <a:normAutofit/>
+          </a:bodyPr>
+          <a:lstStyle/>
+          <a:p>
+            <a:pPr lvl="1"/>
+            <a:endParaRPr lang="en-US" dirty="0"/>
+          </a:p>
+          <a:p>
+            <a:pPr marL="0" indent="0">
+              <a:buNone/>
+            </a:pPr>
+            <a:r>
+              <a:rPr lang="en-US" b="1" dirty="0"/>
+              <a:t>Ease of Use</a:t>
+            </a:r>
+            <a:endParaRPr lang="en-US" dirty="0"/>
+          </a:p>
+          <a:p>
+            <a:pPr marL="0" lvl="0" indent="0">
+              <a:buNone/>
+            </a:pPr>
+            <a:r>
+              <a:rPr lang="en-US" b="1" dirty="0"/>
+              <a:t>.</a:t>
+            </a:r>
+            <a:r>
+              <a:rPr lang="en-US" b="1" dirty="0" err="1"/>
+              <a:t>hbm</a:t>
+            </a:r>
+            <a:r>
+              <a:rPr lang="en-US" b="1" dirty="0"/>
+              <a:t> Files</a:t>
+            </a:r>
+            <a:r>
+              <a:rPr lang="en-US" dirty="0"/>
+              <a:t>:</a:t>
+            </a:r>
+          </a:p>
+          <a:p>
+            <a:pPr lvl="1"/>
+            <a:r>
+              <a:rPr lang="en-US" dirty="0"/>
+              <a:t>Require maintaining separate XML files, which increases the effort of keeping mappings in sync with the code.</a:t>
+            </a:r>
+          </a:p>
+          <a:p>
+            <a:pPr lvl="1"/>
+            <a:r>
+              <a:rPr lang="en-US" dirty="0"/>
+              <a:t>Can become tedious in large projects with many entities.</a:t>
+            </a:r>
+          </a:p>
+          <a:p>
+            <a:pPr marL="0" lvl="0" indent="0">
+              <a:buNone/>
+            </a:pPr>
+            <a:r>
+              <a:rPr lang="en-US" b="1" dirty="0"/>
+              <a:t>Annotations</a:t>
+            </a:r>
+            <a:r>
+              <a:rPr lang="en-US" dirty="0"/>
+              <a:t>:</a:t>
+            </a:r>
+          </a:p>
+          <a:p>
+            <a:pPr lvl="1"/>
+            <a:r>
+              <a:rPr lang="en-US" dirty="0"/>
+              <a:t>Are part of the entity class, so the mapping information is co-located with the class definition.</a:t>
+            </a:r>
+          </a:p>
+          <a:p>
+            <a:pPr lvl="1"/>
+            <a:r>
+              <a:rPr lang="en-US" dirty="0"/>
+              <a:t>Easier to manage and read because all the mapping details are in the same file as the class.</a:t>
+            </a:r>
+          </a:p>
+          <a:p>
+            <a:endParaRPr lang="en-US" dirty="0"/>
+          </a:p>
+          <a:p>
+            <a:endParaRPr lang="en-US" dirty="0"/>
+          </a:p>
+        </p:txBody>
+      </p:sp>
+    </p:spTree>
+    <p:extLst>
+      <p:ext uri="{BB962C8B-B14F-4D97-AF65-F5344CB8AC3E}">
+        <p14:creationId xmlns:p14="http://schemas.microsoft.com/office/powerpoint/2010/main" val="3659180949"/>
+      </p:ext>
+    </p:extLst>
+  </p:cSld>
+  <p:clrMapOvr>
+    <a:masterClrMapping/>
+  </p:clrMapOvr>
+</p:sld>
+</file>
+
+<file path=ppt/slides/slide32.xml><?xml version="1.0" encoding="utf-8"?>
+<p:sld xmlns:a="http://schemas.openxmlformats.org/drawingml/2006/main" xmlns:r="http://schemas.openxmlformats.org/officeDocument/2006/relationships" xmlns:p="http://schemas.openxmlformats.org/presentationml/2006/main">
+  <p:cSld>
+    <p:spTree>
+      <p:nvGrpSpPr>
+        <p:cNvPr id="1" name=""/>
+        <p:cNvGrpSpPr/>
+        <p:nvPr/>
+      </p:nvGrpSpPr>
+      <p:grpSpPr>
+        <a:xfrm>
+          <a:off x="0" y="0"/>
+          <a:ext cx="0" cy="0"/>
+          <a:chOff x="0" y="0"/>
+          <a:chExt cx="0" cy="0"/>
+        </a:xfrm>
+      </p:grpSpPr>
+      <p:sp>
+        <p:nvSpPr>
+          <p:cNvPr id="3" name="Content Placeholder 2">
+            <a:extLst>
+              <a:ext uri="{FF2B5EF4-FFF2-40B4-BE49-F238E27FC236}">
+                <a16:creationId xmlns:a16="http://schemas.microsoft.com/office/drawing/2014/main" id="{91D75860-5107-67DA-F8E3-F39BF9365E9F}"/>
+              </a:ext>
+            </a:extLst>
+          </p:cNvPr>
+          <p:cNvSpPr>
+            <a:spLocks noGrp="1"/>
+          </p:cNvSpPr>
+          <p:nvPr>
+            <p:ph idx="1"/>
+          </p:nvPr>
+        </p:nvSpPr>
+        <p:spPr>
+          <a:xfrm>
+            <a:off x="838200" y="731520"/>
+            <a:ext cx="10515600" cy="5445443"/>
+          </a:xfrm>
+        </p:spPr>
+        <p:txBody>
+          <a:bodyPr>
+            <a:normAutofit lnSpcReduction="10000"/>
+          </a:bodyPr>
+          <a:lstStyle/>
+          <a:p>
+            <a:pPr marL="0" indent="0">
+              <a:buNone/>
+            </a:pPr>
+            <a:r>
+              <a:rPr lang="en-US" b="1" dirty="0"/>
+              <a:t>Example Comparison</a:t>
+            </a:r>
+            <a:endParaRPr lang="en-US" dirty="0"/>
+          </a:p>
+          <a:p>
+            <a:pPr marL="0" indent="0">
+              <a:buNone/>
+            </a:pPr>
+            <a:r>
+              <a:rPr lang="en-US" b="1" dirty="0"/>
+              <a:t>.hbm.xml Mapping:</a:t>
+            </a:r>
+            <a:endParaRPr lang="en-US" dirty="0"/>
+          </a:p>
+          <a:p>
+            <a:pPr marL="0" indent="0">
+              <a:buNone/>
+            </a:pPr>
+            <a:r>
+              <a:rPr lang="en-US" dirty="0"/>
+              <a:t>&lt;hibernate-mapping&gt;</a:t>
+            </a:r>
+          </a:p>
+          <a:p>
+            <a:pPr marL="0" indent="0">
+              <a:buNone/>
+            </a:pPr>
+            <a:r>
+              <a:rPr lang="en-US" dirty="0"/>
+              <a:t>    &lt;class name="</a:t>
+            </a:r>
+            <a:r>
+              <a:rPr lang="en-US" dirty="0" err="1"/>
+              <a:t>com.example.Student</a:t>
+            </a:r>
+            <a:r>
+              <a:rPr lang="en-US" dirty="0"/>
+              <a:t>" table="student"&gt;</a:t>
+            </a:r>
+          </a:p>
+          <a:p>
+            <a:pPr marL="0" indent="0">
+              <a:buNone/>
+            </a:pPr>
+            <a:r>
+              <a:rPr lang="en-US" dirty="0"/>
+              <a:t>        &lt;id name="id" column="</a:t>
+            </a:r>
+            <a:r>
+              <a:rPr lang="en-US" dirty="0" err="1"/>
+              <a:t>student_id</a:t>
+            </a:r>
+            <a:r>
+              <a:rPr lang="en-US" dirty="0"/>
+              <a:t>"&gt;</a:t>
+            </a:r>
+          </a:p>
+          <a:p>
+            <a:pPr marL="0" indent="0">
+              <a:buNone/>
+            </a:pPr>
+            <a:r>
+              <a:rPr lang="en-US" dirty="0"/>
+              <a:t>            &lt;generator class="increment"/&gt;</a:t>
+            </a:r>
+          </a:p>
+          <a:p>
+            <a:pPr marL="0" indent="0">
+              <a:buNone/>
+            </a:pPr>
+            <a:r>
+              <a:rPr lang="en-US" dirty="0"/>
+              <a:t>        &lt;/id&gt;</a:t>
+            </a:r>
+          </a:p>
+          <a:p>
+            <a:pPr marL="0" indent="0">
+              <a:buNone/>
+            </a:pPr>
+            <a:r>
+              <a:rPr lang="en-US" dirty="0"/>
+              <a:t>        &lt;property name="name" column="</a:t>
+            </a:r>
+            <a:r>
+              <a:rPr lang="en-US" dirty="0" err="1"/>
+              <a:t>student_name</a:t>
+            </a:r>
+            <a:r>
+              <a:rPr lang="en-US" dirty="0"/>
+              <a:t>"/&gt;</a:t>
+            </a:r>
+          </a:p>
+          <a:p>
+            <a:pPr marL="0" indent="0">
+              <a:buNone/>
+            </a:pPr>
+            <a:r>
+              <a:rPr lang="en-US" dirty="0"/>
+              <a:t>        &lt;property name="age" column="</a:t>
+            </a:r>
+            <a:r>
+              <a:rPr lang="en-US" dirty="0" err="1"/>
+              <a:t>student_age</a:t>
+            </a:r>
+            <a:r>
+              <a:rPr lang="en-US" dirty="0"/>
+              <a:t>"/&gt;</a:t>
+            </a:r>
+          </a:p>
+          <a:p>
+            <a:pPr marL="0" indent="0">
+              <a:buNone/>
+            </a:pPr>
+            <a:r>
+              <a:rPr lang="en-US" dirty="0"/>
+              <a:t>    &lt;/class&gt;</a:t>
+            </a:r>
+          </a:p>
+          <a:p>
+            <a:pPr marL="0" indent="0">
+              <a:buNone/>
+            </a:pPr>
+            <a:r>
+              <a:rPr lang="en-US" dirty="0"/>
+              <a:t>&lt;/hibernate-mapping&gt;</a:t>
+            </a:r>
+          </a:p>
+          <a:p>
+            <a:endParaRPr lang="en-US" dirty="0"/>
+          </a:p>
+        </p:txBody>
+      </p:sp>
+    </p:spTree>
+    <p:extLst>
+      <p:ext uri="{BB962C8B-B14F-4D97-AF65-F5344CB8AC3E}">
+        <p14:creationId xmlns:p14="http://schemas.microsoft.com/office/powerpoint/2010/main" val="1050366330"/>
+      </p:ext>
+    </p:extLst>
+  </p:cSld>
+  <p:clrMapOvr>
+    <a:masterClrMapping/>
+  </p:clrMapOvr>
+</p:sld>
+</file>
+
+<file path=ppt/slides/slide33.xml><?xml version="1.0" encoding="utf-8"?>
+<p:sld xmlns:a="http://schemas.openxmlformats.org/drawingml/2006/main" xmlns:r="http://schemas.openxmlformats.org/officeDocument/2006/relationships" xmlns:p="http://schemas.openxmlformats.org/presentationml/2006/main">
+  <p:cSld>
+    <p:spTree>
+      <p:nvGrpSpPr>
+        <p:cNvPr id="1" name=""/>
+        <p:cNvGrpSpPr/>
+        <p:nvPr/>
+      </p:nvGrpSpPr>
+      <p:grpSpPr>
+        <a:xfrm>
+          <a:off x="0" y="0"/>
+          <a:ext cx="0" cy="0"/>
+          <a:chOff x="0" y="0"/>
+          <a:chExt cx="0" cy="0"/>
+        </a:xfrm>
+      </p:grpSpPr>
+      <p:sp>
+        <p:nvSpPr>
+          <p:cNvPr id="3" name="Content Placeholder 2">
+            <a:extLst>
+              <a:ext uri="{FF2B5EF4-FFF2-40B4-BE49-F238E27FC236}">
+                <a16:creationId xmlns:a16="http://schemas.microsoft.com/office/drawing/2014/main" id="{300E4EAB-682B-33D2-A19C-FE4614CD7A0A}"/>
+              </a:ext>
+            </a:extLst>
+          </p:cNvPr>
+          <p:cNvSpPr>
+            <a:spLocks noGrp="1"/>
+          </p:cNvSpPr>
+          <p:nvPr>
+            <p:ph idx="1"/>
+          </p:nvPr>
+        </p:nvSpPr>
+        <p:spPr>
+          <a:xfrm>
+            <a:off x="838200" y="420624"/>
+            <a:ext cx="10515600" cy="6263640"/>
+          </a:xfrm>
+        </p:spPr>
+        <p:txBody>
+          <a:bodyPr>
+            <a:normAutofit fontScale="77500" lnSpcReduction="20000"/>
+          </a:bodyPr>
+          <a:lstStyle/>
+          <a:p>
+            <a:r>
+              <a:rPr lang="en-US" sz="4500" b="1" dirty="0"/>
+              <a:t>Annotation-Based Mapping:</a:t>
+            </a:r>
+            <a:endParaRPr lang="en-US" sz="4500" dirty="0"/>
+          </a:p>
+          <a:p>
+            <a:pPr marL="0" indent="0">
+              <a:buNone/>
+            </a:pPr>
+            <a:r>
+              <a:rPr lang="en-US" dirty="0"/>
+              <a:t>@Entity</a:t>
+            </a:r>
+          </a:p>
+          <a:p>
+            <a:pPr marL="0" indent="0">
+              <a:buNone/>
+            </a:pPr>
+            <a:r>
+              <a:rPr lang="en-US" dirty="0"/>
+              <a:t>@Table(name = "student")</a:t>
+            </a:r>
+          </a:p>
+          <a:p>
+            <a:pPr marL="0" indent="0">
+              <a:buNone/>
+            </a:pPr>
+            <a:r>
+              <a:rPr lang="en-US" dirty="0"/>
+              <a:t>public class Student {</a:t>
+            </a:r>
+          </a:p>
+          <a:p>
+            <a:pPr marL="0" indent="0">
+              <a:buNone/>
+            </a:pPr>
+            <a:r>
+              <a:rPr lang="en-US" dirty="0"/>
+              <a:t>    @Id</a:t>
+            </a:r>
+          </a:p>
+          <a:p>
+            <a:pPr marL="0" indent="0">
+              <a:buNone/>
+            </a:pPr>
+            <a:r>
+              <a:rPr lang="en-US" dirty="0"/>
+              <a:t>    @GeneratedValue(strategy = </a:t>
+            </a:r>
+            <a:r>
+              <a:rPr lang="en-US" dirty="0" err="1"/>
+              <a:t>GenerationType.IDENTITY</a:t>
+            </a:r>
+            <a:r>
+              <a:rPr lang="en-US" dirty="0"/>
+              <a:t>)</a:t>
+            </a:r>
+          </a:p>
+          <a:p>
+            <a:pPr marL="0" indent="0">
+              <a:buNone/>
+            </a:pPr>
+            <a:r>
+              <a:rPr lang="en-US" dirty="0"/>
+              <a:t>    @Column(name = "</a:t>
+            </a:r>
+            <a:r>
+              <a:rPr lang="en-US" dirty="0" err="1"/>
+              <a:t>student_id</a:t>
+            </a:r>
+            <a:r>
+              <a:rPr lang="en-US" dirty="0"/>
+              <a:t>")</a:t>
+            </a:r>
+          </a:p>
+          <a:p>
+            <a:pPr marL="0" indent="0">
+              <a:buNone/>
+            </a:pPr>
+            <a:r>
+              <a:rPr lang="en-US" dirty="0"/>
+              <a:t>    private int id;</a:t>
+            </a:r>
+          </a:p>
+          <a:p>
+            <a:pPr marL="0" indent="0">
+              <a:buNone/>
+            </a:pPr>
+            <a:r>
+              <a:rPr lang="en-US" dirty="0"/>
+              <a:t> </a:t>
+            </a:r>
+          </a:p>
+          <a:p>
+            <a:pPr marL="0" indent="0">
+              <a:buNone/>
+            </a:pPr>
+            <a:r>
+              <a:rPr lang="en-US" dirty="0"/>
+              <a:t>    @Column(name = "</a:t>
+            </a:r>
+            <a:r>
+              <a:rPr lang="en-US" dirty="0" err="1"/>
+              <a:t>student_name</a:t>
+            </a:r>
+            <a:r>
+              <a:rPr lang="en-US" dirty="0"/>
+              <a:t>")</a:t>
+            </a:r>
+          </a:p>
+          <a:p>
+            <a:pPr marL="0" indent="0">
+              <a:buNone/>
+            </a:pPr>
+            <a:r>
+              <a:rPr lang="en-US" dirty="0"/>
+              <a:t>    private String name;</a:t>
+            </a:r>
+          </a:p>
+          <a:p>
+            <a:pPr marL="0" indent="0">
+              <a:buNone/>
+            </a:pPr>
+            <a:r>
+              <a:rPr lang="en-US" dirty="0"/>
+              <a:t> </a:t>
+            </a:r>
+          </a:p>
+          <a:p>
+            <a:pPr marL="0" indent="0">
+              <a:buNone/>
+            </a:pPr>
+            <a:r>
+              <a:rPr lang="en-US" dirty="0"/>
+              <a:t>    @Column(name = "</a:t>
+            </a:r>
+            <a:r>
+              <a:rPr lang="en-US" dirty="0" err="1"/>
+              <a:t>student_age</a:t>
+            </a:r>
+            <a:r>
+              <a:rPr lang="en-US" dirty="0"/>
+              <a:t>")</a:t>
+            </a:r>
+          </a:p>
+          <a:p>
+            <a:pPr marL="0" indent="0">
+              <a:buNone/>
+            </a:pPr>
+            <a:r>
+              <a:rPr lang="en-US" dirty="0"/>
+              <a:t>    private int age;</a:t>
+            </a:r>
+          </a:p>
+          <a:p>
+            <a:pPr marL="0" indent="0">
+              <a:buNone/>
+            </a:pPr>
+            <a:r>
+              <a:rPr lang="en-US" dirty="0"/>
+              <a:t> </a:t>
+            </a:r>
+          </a:p>
+          <a:p>
+            <a:pPr marL="0" indent="0">
+              <a:buNone/>
+            </a:pPr>
+            <a:r>
+              <a:rPr lang="en-US" dirty="0"/>
+              <a:t>    // Getters and Setters</a:t>
+            </a:r>
+          </a:p>
+          <a:p>
+            <a:pPr marL="0" indent="0">
+              <a:buNone/>
+            </a:pPr>
+            <a:r>
+              <a:rPr lang="en-US" dirty="0"/>
+              <a:t>}</a:t>
+            </a:r>
+          </a:p>
+          <a:p>
+            <a:endParaRPr lang="en-US" dirty="0"/>
+          </a:p>
+        </p:txBody>
+      </p:sp>
+    </p:spTree>
+    <p:extLst>
+      <p:ext uri="{BB962C8B-B14F-4D97-AF65-F5344CB8AC3E}">
+        <p14:creationId xmlns:p14="http://schemas.microsoft.com/office/powerpoint/2010/main" val="1317588718"/>
+      </p:ext>
+    </p:extLst>
+  </p:cSld>
+  <p:clrMapOvr>
+    <a:masterClrMapping/>
+  </p:clrMapOvr>
+</p:sld>
+</file>
+
+<file path=ppt/slides/slide34.xml><?xml version="1.0" encoding="utf-8"?>
+<p:sld xmlns:a="http://schemas.openxmlformats.org/drawingml/2006/main" xmlns:r="http://schemas.openxmlformats.org/officeDocument/2006/relationships" xmlns:p="http://schemas.openxmlformats.org/presentationml/2006/main">
+  <p:cSld>
+    <p:spTree>
+      <p:nvGrpSpPr>
+        <p:cNvPr id="1" name=""/>
+        <p:cNvGrpSpPr/>
+        <p:nvPr/>
+      </p:nvGrpSpPr>
+      <p:grpSpPr>
+        <a:xfrm>
+          <a:off x="0" y="0"/>
+          <a:ext cx="0" cy="0"/>
+          <a:chOff x="0" y="0"/>
+          <a:chExt cx="0" cy="0"/>
+        </a:xfrm>
+      </p:grpSpPr>
+      <p:graphicFrame>
+        <p:nvGraphicFramePr>
+          <p:cNvPr id="4" name="Content Placeholder 3">
+            <a:extLst>
+              <a:ext uri="{FF2B5EF4-FFF2-40B4-BE49-F238E27FC236}">
+                <a16:creationId xmlns:a16="http://schemas.microsoft.com/office/drawing/2014/main" id="{93987DE1-8400-B11F-6795-D5FDF8751A90}"/>
+              </a:ext>
+            </a:extLst>
+          </p:cNvPr>
+          <p:cNvGraphicFramePr>
+            <a:graphicFrameLocks noGrp="1"/>
+          </p:cNvGraphicFramePr>
+          <p:nvPr>
+            <p:ph idx="1"/>
+            <p:extLst>
+              <p:ext uri="{D42A27DB-BD31-4B8C-83A1-F6EECF244321}">
+                <p14:modId xmlns:p14="http://schemas.microsoft.com/office/powerpoint/2010/main" val="996480468"/>
+              </p:ext>
+            </p:extLst>
+          </p:nvPr>
+        </p:nvGraphicFramePr>
+        <p:xfrm>
+          <a:off x="657226" y="495300"/>
+          <a:ext cx="10629899" cy="5228680"/>
+        </p:xfrm>
+        <a:graphic>
+          <a:graphicData uri="http://schemas.openxmlformats.org/drawingml/2006/table">
+            <a:tbl>
+              <a:tblPr firstRow="1" firstCol="1" bandRow="1">
+                <a:tableStyleId>{5C22544A-7EE6-4342-B048-85BDC9FD1C3A}</a:tableStyleId>
+              </a:tblPr>
+              <a:tblGrid>
+                <a:gridCol w="3250465">
+                  <a:extLst>
+                    <a:ext uri="{9D8B030D-6E8A-4147-A177-3AD203B41FA5}">
+                      <a16:colId xmlns:a16="http://schemas.microsoft.com/office/drawing/2014/main" val="924408912"/>
+                    </a:ext>
+                  </a:extLst>
+                </a:gridCol>
+                <a:gridCol w="4304670">
+                  <a:extLst>
+                    <a:ext uri="{9D8B030D-6E8A-4147-A177-3AD203B41FA5}">
+                      <a16:colId xmlns:a16="http://schemas.microsoft.com/office/drawing/2014/main" val="640066584"/>
+                    </a:ext>
+                  </a:extLst>
+                </a:gridCol>
+                <a:gridCol w="3074764">
+                  <a:extLst>
+                    <a:ext uri="{9D8B030D-6E8A-4147-A177-3AD203B41FA5}">
+                      <a16:colId xmlns:a16="http://schemas.microsoft.com/office/drawing/2014/main" val="294473410"/>
+                    </a:ext>
+                  </a:extLst>
+                </a:gridCol>
+              </a:tblGrid>
+              <a:tr h="487232">
+                <a:tc>
+                  <a:txBody>
+                    <a:bodyPr/>
+                    <a:lstStyle/>
+                    <a:p>
+                      <a:pPr>
+                        <a:lnSpc>
+                          <a:spcPct val="107000"/>
+                        </a:lnSpc>
+                        <a:spcAft>
+                          <a:spcPts val="800"/>
+                        </a:spcAft>
+                        <a:buNone/>
+                      </a:pPr>
+                      <a:r>
+                        <a:rPr lang="en-US" sz="2400" kern="100">
+                          <a:effectLst/>
+                        </a:rPr>
+                        <a:t>Aspect</a:t>
+                      </a:r>
+                      <a:endParaRPr lang="en-US" sz="2400" kern="100">
+                        <a:effectLst/>
+                        <a:latin typeface="Calibri" panose="020F0502020204030204" pitchFamily="34" charset="0"/>
+                        <a:ea typeface="Calibri" panose="020F0502020204030204" pitchFamily="34" charset="0"/>
+                        <a:cs typeface="Times New Roman" panose="02020603050405020304" pitchFamily="18" charset="0"/>
+                      </a:endParaRPr>
+                    </a:p>
+                  </a:txBody>
+                  <a:tcPr marL="12955" marR="12955" marT="0" marB="0"/>
+                </a:tc>
+                <a:tc>
+                  <a:txBody>
+                    <a:bodyPr/>
+                    <a:lstStyle/>
+                    <a:p>
+                      <a:pPr>
+                        <a:lnSpc>
+                          <a:spcPct val="107000"/>
+                        </a:lnSpc>
+                        <a:spcAft>
+                          <a:spcPts val="800"/>
+                        </a:spcAft>
+                        <a:buNone/>
+                      </a:pPr>
+                      <a:r>
+                        <a:rPr lang="en-US" sz="2400" b="1" kern="100" dirty="0">
+                          <a:effectLst/>
+                        </a:rPr>
+                        <a:t>.</a:t>
+                      </a:r>
+                      <a:r>
+                        <a:rPr lang="en-US" sz="2400" b="1" kern="100" dirty="0" err="1">
+                          <a:effectLst/>
+                        </a:rPr>
+                        <a:t>hbm</a:t>
+                      </a:r>
+                      <a:r>
+                        <a:rPr lang="en-US" sz="2400" b="1" kern="100" dirty="0">
+                          <a:effectLst/>
+                        </a:rPr>
+                        <a:t> Files</a:t>
+                      </a:r>
+                      <a:endParaRPr lang="en-US" sz="2400" b="1" kern="100" dirty="0">
+                        <a:effectLst/>
+                        <a:latin typeface="Calibri" panose="020F0502020204030204" pitchFamily="34" charset="0"/>
+                        <a:ea typeface="Calibri" panose="020F0502020204030204" pitchFamily="34" charset="0"/>
+                        <a:cs typeface="Times New Roman" panose="02020603050405020304" pitchFamily="18" charset="0"/>
+                      </a:endParaRPr>
+                    </a:p>
+                  </a:txBody>
+                  <a:tcPr marL="12955" marR="12955" marT="0" marB="0"/>
+                </a:tc>
+                <a:tc>
+                  <a:txBody>
+                    <a:bodyPr/>
+                    <a:lstStyle/>
+                    <a:p>
+                      <a:pPr>
+                        <a:lnSpc>
+                          <a:spcPct val="107000"/>
+                        </a:lnSpc>
+                        <a:spcAft>
+                          <a:spcPts val="800"/>
+                        </a:spcAft>
+                        <a:buNone/>
+                      </a:pPr>
+                      <a:r>
+                        <a:rPr lang="en-US" sz="2400" b="1" kern="100" dirty="0">
+                          <a:effectLst/>
+                        </a:rPr>
+                        <a:t>Annotations</a:t>
+                      </a:r>
+                      <a:endParaRPr lang="en-US" sz="2400" b="1" kern="100" dirty="0">
+                        <a:effectLst/>
+                        <a:latin typeface="Calibri" panose="020F0502020204030204" pitchFamily="34" charset="0"/>
+                        <a:ea typeface="Calibri" panose="020F0502020204030204" pitchFamily="34" charset="0"/>
+                        <a:cs typeface="Times New Roman" panose="02020603050405020304" pitchFamily="18" charset="0"/>
+                      </a:endParaRPr>
+                    </a:p>
+                  </a:txBody>
+                  <a:tcPr marL="12955" marR="12955" marT="0" marB="0"/>
+                </a:tc>
+                <a:extLst>
+                  <a:ext uri="{0D108BD9-81ED-4DB2-BD59-A6C34878D82A}">
+                    <a16:rowId xmlns:a16="http://schemas.microsoft.com/office/drawing/2014/main" val="3423611650"/>
+                  </a:ext>
+                </a:extLst>
+              </a:tr>
+              <a:tr h="880920">
+                <a:tc>
+                  <a:txBody>
+                    <a:bodyPr/>
+                    <a:lstStyle/>
+                    <a:p>
+                      <a:pPr>
+                        <a:lnSpc>
+                          <a:spcPct val="107000"/>
+                        </a:lnSpc>
+                        <a:spcAft>
+                          <a:spcPts val="800"/>
+                        </a:spcAft>
+                        <a:buNone/>
+                      </a:pPr>
+                      <a:r>
+                        <a:rPr lang="en-US" sz="2400" kern="100">
+                          <a:effectLst/>
+                        </a:rPr>
+                        <a:t>Location</a:t>
+                      </a:r>
+                      <a:endParaRPr lang="en-US" sz="2400" kern="100">
+                        <a:effectLst/>
+                        <a:latin typeface="Calibri" panose="020F0502020204030204" pitchFamily="34" charset="0"/>
+                        <a:ea typeface="Calibri" panose="020F0502020204030204" pitchFamily="34" charset="0"/>
+                        <a:cs typeface="Times New Roman" panose="02020603050405020304" pitchFamily="18" charset="0"/>
+                      </a:endParaRPr>
+                    </a:p>
+                  </a:txBody>
+                  <a:tcPr marL="12955" marR="12955" marT="0" marB="0"/>
+                </a:tc>
+                <a:tc>
+                  <a:txBody>
+                    <a:bodyPr/>
+                    <a:lstStyle/>
+                    <a:p>
+                      <a:pPr>
+                        <a:lnSpc>
+                          <a:spcPct val="107000"/>
+                        </a:lnSpc>
+                        <a:spcAft>
+                          <a:spcPts val="800"/>
+                        </a:spcAft>
+                        <a:buNone/>
+                      </a:pPr>
+                      <a:r>
+                        <a:rPr lang="en-US" sz="2400" kern="100" dirty="0">
+                          <a:effectLst/>
+                        </a:rPr>
+                        <a:t>Separate XML files</a:t>
+                      </a:r>
+                      <a:endParaRPr lang="en-US" sz="2400" kern="100" dirty="0">
+                        <a:effectLst/>
+                        <a:latin typeface="Calibri" panose="020F0502020204030204" pitchFamily="34" charset="0"/>
+                        <a:ea typeface="Calibri" panose="020F0502020204030204" pitchFamily="34" charset="0"/>
+                        <a:cs typeface="Times New Roman" panose="02020603050405020304" pitchFamily="18" charset="0"/>
+                      </a:endParaRPr>
+                    </a:p>
+                  </a:txBody>
+                  <a:tcPr marL="12955" marR="12955" marT="0" marB="0"/>
+                </a:tc>
+                <a:tc>
+                  <a:txBody>
+                    <a:bodyPr/>
+                    <a:lstStyle/>
+                    <a:p>
+                      <a:pPr>
+                        <a:lnSpc>
+                          <a:spcPct val="107000"/>
+                        </a:lnSpc>
+                        <a:spcAft>
+                          <a:spcPts val="800"/>
+                        </a:spcAft>
+                        <a:buNone/>
+                      </a:pPr>
+                      <a:r>
+                        <a:rPr lang="en-US" sz="2400" kern="100">
+                          <a:effectLst/>
+                        </a:rPr>
+                        <a:t>In the Java entity class</a:t>
+                      </a:r>
+                      <a:endParaRPr lang="en-US" sz="2400" kern="100">
+                        <a:effectLst/>
+                        <a:latin typeface="Calibri" panose="020F0502020204030204" pitchFamily="34" charset="0"/>
+                        <a:ea typeface="Calibri" panose="020F0502020204030204" pitchFamily="34" charset="0"/>
+                        <a:cs typeface="Times New Roman" panose="02020603050405020304" pitchFamily="18" charset="0"/>
+                      </a:endParaRPr>
+                    </a:p>
+                  </a:txBody>
+                  <a:tcPr marL="12955" marR="12955" marT="0" marB="0"/>
+                </a:tc>
+                <a:extLst>
+                  <a:ext uri="{0D108BD9-81ED-4DB2-BD59-A6C34878D82A}">
+                    <a16:rowId xmlns:a16="http://schemas.microsoft.com/office/drawing/2014/main" val="1536265022"/>
+                  </a:ext>
+                </a:extLst>
+              </a:tr>
+              <a:tr h="748490">
+                <a:tc>
+                  <a:txBody>
+                    <a:bodyPr/>
+                    <a:lstStyle/>
+                    <a:p>
+                      <a:pPr>
+                        <a:lnSpc>
+                          <a:spcPct val="107000"/>
+                        </a:lnSpc>
+                        <a:spcAft>
+                          <a:spcPts val="800"/>
+                        </a:spcAft>
+                        <a:buNone/>
+                      </a:pPr>
+                      <a:r>
+                        <a:rPr lang="en-US" sz="2400" kern="100" dirty="0">
+                          <a:effectLst/>
+                        </a:rPr>
+                        <a:t>Simplicity</a:t>
+                      </a:r>
+                      <a:endParaRPr lang="en-US" sz="2400" kern="100" dirty="0">
+                        <a:effectLst/>
+                        <a:latin typeface="Calibri" panose="020F0502020204030204" pitchFamily="34" charset="0"/>
+                        <a:ea typeface="Calibri" panose="020F0502020204030204" pitchFamily="34" charset="0"/>
+                        <a:cs typeface="Times New Roman" panose="02020603050405020304" pitchFamily="18" charset="0"/>
+                      </a:endParaRPr>
+                    </a:p>
+                  </a:txBody>
+                  <a:tcPr marL="12955" marR="12955" marT="0" marB="0"/>
+                </a:tc>
+                <a:tc>
+                  <a:txBody>
+                    <a:bodyPr/>
+                    <a:lstStyle/>
+                    <a:p>
+                      <a:pPr>
+                        <a:lnSpc>
+                          <a:spcPct val="107000"/>
+                        </a:lnSpc>
+                        <a:spcAft>
+                          <a:spcPts val="800"/>
+                        </a:spcAft>
+                        <a:buNone/>
+                      </a:pPr>
+                      <a:r>
+                        <a:rPr lang="en-US" sz="2400" kern="100">
+                          <a:effectLst/>
+                        </a:rPr>
+                        <a:t>More verbose</a:t>
+                      </a:r>
+                      <a:endParaRPr lang="en-US" sz="2400" kern="100">
+                        <a:effectLst/>
+                        <a:latin typeface="Calibri" panose="020F0502020204030204" pitchFamily="34" charset="0"/>
+                        <a:ea typeface="Calibri" panose="020F0502020204030204" pitchFamily="34" charset="0"/>
+                        <a:cs typeface="Times New Roman" panose="02020603050405020304" pitchFamily="18" charset="0"/>
+                      </a:endParaRPr>
+                    </a:p>
+                  </a:txBody>
+                  <a:tcPr marL="12955" marR="12955" marT="0" marB="0"/>
+                </a:tc>
+                <a:tc>
+                  <a:txBody>
+                    <a:bodyPr/>
+                    <a:lstStyle/>
+                    <a:p>
+                      <a:pPr>
+                        <a:lnSpc>
+                          <a:spcPct val="107000"/>
+                        </a:lnSpc>
+                        <a:spcAft>
+                          <a:spcPts val="800"/>
+                        </a:spcAft>
+                        <a:buNone/>
+                      </a:pPr>
+                      <a:r>
+                        <a:rPr lang="en-US" sz="2400" kern="100">
+                          <a:effectLst/>
+                        </a:rPr>
+                        <a:t>Cleaner and simpler</a:t>
+                      </a:r>
+                      <a:endParaRPr lang="en-US" sz="2400" kern="100">
+                        <a:effectLst/>
+                        <a:latin typeface="Calibri" panose="020F0502020204030204" pitchFamily="34" charset="0"/>
+                        <a:ea typeface="Calibri" panose="020F0502020204030204" pitchFamily="34" charset="0"/>
+                        <a:cs typeface="Times New Roman" panose="02020603050405020304" pitchFamily="18" charset="0"/>
+                      </a:endParaRPr>
+                    </a:p>
+                  </a:txBody>
+                  <a:tcPr marL="12955" marR="12955" marT="0" marB="0"/>
+                </a:tc>
+                <a:extLst>
+                  <a:ext uri="{0D108BD9-81ED-4DB2-BD59-A6C34878D82A}">
+                    <a16:rowId xmlns:a16="http://schemas.microsoft.com/office/drawing/2014/main" val="2105067138"/>
+                  </a:ext>
+                </a:extLst>
+              </a:tr>
+              <a:tr h="997048">
+                <a:tc>
+                  <a:txBody>
+                    <a:bodyPr/>
+                    <a:lstStyle/>
+                    <a:p>
+                      <a:pPr>
+                        <a:lnSpc>
+                          <a:spcPct val="107000"/>
+                        </a:lnSpc>
+                        <a:spcAft>
+                          <a:spcPts val="800"/>
+                        </a:spcAft>
+                        <a:buNone/>
+                      </a:pPr>
+                      <a:r>
+                        <a:rPr lang="en-US" sz="2400" kern="100">
+                          <a:effectLst/>
+                        </a:rPr>
+                        <a:t>Flexibility</a:t>
+                      </a:r>
+                      <a:endParaRPr lang="en-US" sz="2400" kern="100">
+                        <a:effectLst/>
+                        <a:latin typeface="Calibri" panose="020F0502020204030204" pitchFamily="34" charset="0"/>
+                        <a:ea typeface="Calibri" panose="020F0502020204030204" pitchFamily="34" charset="0"/>
+                        <a:cs typeface="Times New Roman" panose="02020603050405020304" pitchFamily="18" charset="0"/>
+                      </a:endParaRPr>
+                    </a:p>
+                  </a:txBody>
+                  <a:tcPr marL="12955" marR="12955" marT="0" marB="0"/>
+                </a:tc>
+                <a:tc>
+                  <a:txBody>
+                    <a:bodyPr/>
+                    <a:lstStyle/>
+                    <a:p>
+                      <a:pPr>
+                        <a:lnSpc>
+                          <a:spcPct val="107000"/>
+                        </a:lnSpc>
+                        <a:spcAft>
+                          <a:spcPts val="800"/>
+                        </a:spcAft>
+                        <a:buNone/>
+                      </a:pPr>
+                      <a:r>
+                        <a:rPr lang="en-US" sz="2400" kern="100">
+                          <a:effectLst/>
+                        </a:rPr>
+                        <a:t>Better for legacy systems</a:t>
+                      </a:r>
+                      <a:endParaRPr lang="en-US" sz="2400" kern="100">
+                        <a:effectLst/>
+                        <a:latin typeface="Calibri" panose="020F0502020204030204" pitchFamily="34" charset="0"/>
+                        <a:ea typeface="Calibri" panose="020F0502020204030204" pitchFamily="34" charset="0"/>
+                        <a:cs typeface="Times New Roman" panose="02020603050405020304" pitchFamily="18" charset="0"/>
+                      </a:endParaRPr>
+                    </a:p>
+                  </a:txBody>
+                  <a:tcPr marL="12955" marR="12955" marT="0" marB="0"/>
+                </a:tc>
+                <a:tc>
+                  <a:txBody>
+                    <a:bodyPr/>
+                    <a:lstStyle/>
+                    <a:p>
+                      <a:pPr>
+                        <a:lnSpc>
+                          <a:spcPct val="107000"/>
+                        </a:lnSpc>
+                        <a:spcAft>
+                          <a:spcPts val="800"/>
+                        </a:spcAft>
+                        <a:buNone/>
+                      </a:pPr>
+                      <a:r>
+                        <a:rPr lang="en-US" sz="2400" kern="100" dirty="0">
+                          <a:effectLst/>
+                        </a:rPr>
+                        <a:t>Tightly coupled with code</a:t>
+                      </a:r>
+                      <a:endParaRPr lang="en-US" sz="2400" kern="100" dirty="0">
+                        <a:effectLst/>
+                        <a:latin typeface="Calibri" panose="020F0502020204030204" pitchFamily="34" charset="0"/>
+                        <a:ea typeface="Calibri" panose="020F0502020204030204" pitchFamily="34" charset="0"/>
+                        <a:cs typeface="Times New Roman" panose="02020603050405020304" pitchFamily="18" charset="0"/>
+                      </a:endParaRPr>
+                    </a:p>
+                  </a:txBody>
+                  <a:tcPr marL="12955" marR="12955" marT="0" marB="0"/>
+                </a:tc>
+                <a:extLst>
+                  <a:ext uri="{0D108BD9-81ED-4DB2-BD59-A6C34878D82A}">
+                    <a16:rowId xmlns:a16="http://schemas.microsoft.com/office/drawing/2014/main" val="3057107905"/>
+                  </a:ext>
+                </a:extLst>
+              </a:tr>
+              <a:tr h="1101639">
+                <a:tc>
+                  <a:txBody>
+                    <a:bodyPr/>
+                    <a:lstStyle/>
+                    <a:p>
+                      <a:pPr>
+                        <a:lnSpc>
+                          <a:spcPct val="107000"/>
+                        </a:lnSpc>
+                        <a:spcAft>
+                          <a:spcPts val="800"/>
+                        </a:spcAft>
+                        <a:buNone/>
+                      </a:pPr>
+                      <a:r>
+                        <a:rPr lang="en-US" sz="2400" kern="100">
+                          <a:effectLst/>
+                        </a:rPr>
+                        <a:t>Performance</a:t>
+                      </a:r>
+                      <a:endParaRPr lang="en-US" sz="2400" kern="100">
+                        <a:effectLst/>
+                        <a:latin typeface="Calibri" panose="020F0502020204030204" pitchFamily="34" charset="0"/>
+                        <a:ea typeface="Calibri" panose="020F0502020204030204" pitchFamily="34" charset="0"/>
+                        <a:cs typeface="Times New Roman" panose="02020603050405020304" pitchFamily="18" charset="0"/>
+                      </a:endParaRPr>
+                    </a:p>
+                  </a:txBody>
+                  <a:tcPr marL="12955" marR="12955" marT="0" marB="0"/>
+                </a:tc>
+                <a:tc>
+                  <a:txBody>
+                    <a:bodyPr/>
+                    <a:lstStyle/>
+                    <a:p>
+                      <a:pPr>
+                        <a:lnSpc>
+                          <a:spcPct val="107000"/>
+                        </a:lnSpc>
+                        <a:spcAft>
+                          <a:spcPts val="800"/>
+                        </a:spcAft>
+                        <a:buNone/>
+                      </a:pPr>
+                      <a:r>
+                        <a:rPr lang="en-US" sz="2400" kern="100">
+                          <a:effectLst/>
+                        </a:rPr>
+                        <a:t>Slightly slower (XML parsing)</a:t>
+                      </a:r>
+                      <a:endParaRPr lang="en-US" sz="2400" kern="100">
+                        <a:effectLst/>
+                        <a:latin typeface="Calibri" panose="020F0502020204030204" pitchFamily="34" charset="0"/>
+                        <a:ea typeface="Calibri" panose="020F0502020204030204" pitchFamily="34" charset="0"/>
+                        <a:cs typeface="Times New Roman" panose="02020603050405020304" pitchFamily="18" charset="0"/>
+                      </a:endParaRPr>
+                    </a:p>
+                  </a:txBody>
+                  <a:tcPr marL="12955" marR="12955" marT="0" marB="0"/>
+                </a:tc>
+                <a:tc>
+                  <a:txBody>
+                    <a:bodyPr/>
+                    <a:lstStyle/>
+                    <a:p>
+                      <a:pPr>
+                        <a:lnSpc>
+                          <a:spcPct val="107000"/>
+                        </a:lnSpc>
+                        <a:spcAft>
+                          <a:spcPts val="800"/>
+                        </a:spcAft>
+                        <a:buNone/>
+                      </a:pPr>
+                      <a:r>
+                        <a:rPr lang="en-US" sz="2400" kern="100">
+                          <a:effectLst/>
+                        </a:rPr>
+                        <a:t>Faster (no XML parsing)</a:t>
+                      </a:r>
+                      <a:endParaRPr lang="en-US" sz="2400" kern="100">
+                        <a:effectLst/>
+                        <a:latin typeface="Calibri" panose="020F0502020204030204" pitchFamily="34" charset="0"/>
+                        <a:ea typeface="Calibri" panose="020F0502020204030204" pitchFamily="34" charset="0"/>
+                        <a:cs typeface="Times New Roman" panose="02020603050405020304" pitchFamily="18" charset="0"/>
+                      </a:endParaRPr>
+                    </a:p>
+                  </a:txBody>
+                  <a:tcPr marL="12955" marR="12955" marT="0" marB="0"/>
+                </a:tc>
+                <a:extLst>
+                  <a:ext uri="{0D108BD9-81ED-4DB2-BD59-A6C34878D82A}">
+                    <a16:rowId xmlns:a16="http://schemas.microsoft.com/office/drawing/2014/main" val="1556769506"/>
+                  </a:ext>
+                </a:extLst>
+              </a:tr>
+              <a:tr h="1013351">
+                <a:tc>
+                  <a:txBody>
+                    <a:bodyPr/>
+                    <a:lstStyle/>
+                    <a:p>
+                      <a:pPr>
+                        <a:lnSpc>
+                          <a:spcPct val="107000"/>
+                        </a:lnSpc>
+                        <a:spcAft>
+                          <a:spcPts val="800"/>
+                        </a:spcAft>
+                        <a:buNone/>
+                      </a:pPr>
+                      <a:r>
+                        <a:rPr lang="en-US" sz="2400" kern="100">
+                          <a:effectLst/>
+                        </a:rPr>
+                        <a:t>Portability</a:t>
+                      </a:r>
+                      <a:endParaRPr lang="en-US" sz="2400" kern="100">
+                        <a:effectLst/>
+                        <a:latin typeface="Calibri" panose="020F0502020204030204" pitchFamily="34" charset="0"/>
+                        <a:ea typeface="Calibri" panose="020F0502020204030204" pitchFamily="34" charset="0"/>
+                        <a:cs typeface="Times New Roman" panose="02020603050405020304" pitchFamily="18" charset="0"/>
+                      </a:endParaRPr>
+                    </a:p>
+                  </a:txBody>
+                  <a:tcPr marL="12955" marR="12955" marT="0" marB="0"/>
+                </a:tc>
+                <a:tc>
+                  <a:txBody>
+                    <a:bodyPr/>
+                    <a:lstStyle/>
+                    <a:p>
+                      <a:pPr>
+                        <a:lnSpc>
+                          <a:spcPct val="107000"/>
+                        </a:lnSpc>
+                        <a:spcAft>
+                          <a:spcPts val="800"/>
+                        </a:spcAft>
+                        <a:buNone/>
+                      </a:pPr>
+                      <a:r>
+                        <a:rPr lang="en-US" sz="2400" kern="100">
+                          <a:effectLst/>
+                        </a:rPr>
+                        <a:t>Independent of source code</a:t>
+                      </a:r>
+                      <a:endParaRPr lang="en-US" sz="2400" kern="100">
+                        <a:effectLst/>
+                        <a:latin typeface="Calibri" panose="020F0502020204030204" pitchFamily="34" charset="0"/>
+                        <a:ea typeface="Calibri" panose="020F0502020204030204" pitchFamily="34" charset="0"/>
+                        <a:cs typeface="Times New Roman" panose="02020603050405020304" pitchFamily="18" charset="0"/>
+                      </a:endParaRPr>
+                    </a:p>
+                  </a:txBody>
+                  <a:tcPr marL="12955" marR="12955" marT="0" marB="0"/>
+                </a:tc>
+                <a:tc>
+                  <a:txBody>
+                    <a:bodyPr/>
+                    <a:lstStyle/>
+                    <a:p>
+                      <a:pPr>
+                        <a:lnSpc>
+                          <a:spcPct val="107000"/>
+                        </a:lnSpc>
+                        <a:spcAft>
+                          <a:spcPts val="800"/>
+                        </a:spcAft>
+                        <a:buNone/>
+                      </a:pPr>
+                      <a:r>
+                        <a:rPr lang="en-US" sz="2400" kern="100" dirty="0">
+                          <a:effectLst/>
+                        </a:rPr>
+                        <a:t>Bound to the source code</a:t>
+                      </a:r>
+                      <a:endParaRPr lang="en-US" sz="2400" kern="100" dirty="0">
+                        <a:effectLst/>
+                        <a:latin typeface="Calibri" panose="020F0502020204030204" pitchFamily="34" charset="0"/>
+                        <a:ea typeface="Calibri" panose="020F0502020204030204" pitchFamily="34" charset="0"/>
+                        <a:cs typeface="Times New Roman" panose="02020603050405020304" pitchFamily="18" charset="0"/>
+                      </a:endParaRPr>
+                    </a:p>
+                  </a:txBody>
+                  <a:tcPr marL="12955" marR="12955" marT="0" marB="0"/>
+                </a:tc>
+                <a:extLst>
+                  <a:ext uri="{0D108BD9-81ED-4DB2-BD59-A6C34878D82A}">
+                    <a16:rowId xmlns:a16="http://schemas.microsoft.com/office/drawing/2014/main" val="1793423969"/>
+                  </a:ext>
+                </a:extLst>
+              </a:tr>
+            </a:tbl>
+          </a:graphicData>
+        </a:graphic>
+      </p:graphicFrame>
+      <p:sp>
+        <p:nvSpPr>
+          <p:cNvPr id="5" name="Rectangle 1">
+            <a:extLst>
+              <a:ext uri="{FF2B5EF4-FFF2-40B4-BE49-F238E27FC236}">
+                <a16:creationId xmlns:a16="http://schemas.microsoft.com/office/drawing/2014/main" id="{B1A211C5-DBC1-4537-918F-B104B5E08F41}"/>
+              </a:ext>
+            </a:extLst>
+          </p:cNvPr>
+          <p:cNvSpPr>
+            <a:spLocks noChangeArrowheads="1"/>
+          </p:cNvSpPr>
+          <p:nvPr/>
+        </p:nvSpPr>
+        <p:spPr bwMode="auto">
+          <a:xfrm>
+            <a:off x="-49170193" y="97795"/>
+            <a:ext cx="61362193" cy="261610"/>
+          </a:xfrm>
+          <a:prstGeom prst="rect">
+            <a:avLst/>
+          </a:prstGeom>
+          <a:noFill/>
+          <a:ln>
+            <a:noFill/>
+          </a:ln>
+          <a:effectLst/>
+          <a:extLst>
+            <a:ext uri="{909E8E84-426E-40DD-AFC4-6F175D3DCCD1}">
+              <a14:hiddenFill xmlns:a14="http://schemas.microsoft.com/office/drawing/2010/main">
+                <a:solidFill>
+                  <a:schemeClr val="accent1"/>
+                </a:solidFill>
+              </a14:hiddenFill>
+            </a:ext>
+            <a:ext uri="{91240B29-F687-4F45-9708-019B960494DF}">
+              <a14:hiddenLine xmlns:a14="http://schemas.microsoft.com/office/drawing/2010/main" w="9525">
+                <a:solidFill>
+                  <a:schemeClr val="tx1"/>
+                </a:solidFill>
+                <a:miter lim="800000"/>
+                <a:headEnd/>
+                <a:tailEnd/>
+              </a14:hiddenLine>
+            </a:ext>
+            <a:ext uri="{AF507438-7753-43E0-B8FC-AC1667EBCBE1}">
+              <a14:hiddenEffects xmlns:a14="http://schemas.microsoft.com/office/drawing/2010/main">
+                <a:effectLst>
+                  <a:outerShdw dist="35921" dir="2700000" algn="ctr" rotWithShape="0">
+                    <a:schemeClr val="bg2"/>
+                  </a:outerShdw>
+                </a:effectLst>
+              </a14:hiddenEffects>
+            </a:ext>
+          </a:extLst>
+        </p:spPr>
+        <p:txBody>
+          <a:bodyPr vert="horz" wrap="square" lIns="91440" tIns="45720" rIns="91440" bIns="45720" numCol="1" anchor="ctr" anchorCtr="0" compatLnSpc="1">
+            <a:prstTxWarp prst="textNoShape">
+              <a:avLst/>
+            </a:prstTxWarp>
+            <a:spAutoFit/>
+          </a:bodyPr>
+          <a:lstStyle/>
+          <a:p>
+            <a:pPr marL="0" marR="0" lvl="0" indent="0" algn="l" defTabSz="914400" rtl="0" eaLnBrk="0" fontAlgn="base" latinLnBrk="0" hangingPunct="0">
+              <a:lnSpc>
+                <a:spcPct val="100000"/>
+              </a:lnSpc>
+              <a:spcBef>
+                <a:spcPct val="0"/>
+              </a:spcBef>
+              <a:spcAft>
+                <a:spcPct val="0"/>
+              </a:spcAft>
+              <a:buClrTx/>
+              <a:buSzTx/>
+              <a:buFontTx/>
+              <a:buNone/>
+              <a:tabLst/>
+            </a:pPr>
+            <a:r>
+              <a:rPr kumimoji="0" lang="en-US" altLang="en-US" sz="1100" b="1" i="0" u="none" strike="noStrike" cap="none" normalizeH="0" baseline="0">
+                <a:ln>
+                  <a:noFill/>
+                </a:ln>
+                <a:solidFill>
+                  <a:schemeClr val="tx1"/>
+                </a:solidFill>
+                <a:effectLst/>
+                <a:latin typeface="Calibri" panose="020F0502020204030204" pitchFamily="34" charset="0"/>
+                <a:ea typeface="Calibri" panose="020F0502020204030204" pitchFamily="34" charset="0"/>
+                <a:cs typeface="Times New Roman" panose="02020603050405020304" pitchFamily="18" charset="0"/>
+              </a:rPr>
+              <a:t>Summary</a:t>
+            </a:r>
+            <a:endParaRPr kumimoji="0" lang="en-US" altLang="en-US" sz="1800" b="0" i="0" u="none" strike="noStrike" cap="none" normalizeH="0" baseline="0">
+              <a:ln>
+                <a:noFill/>
+              </a:ln>
+              <a:solidFill>
+                <a:schemeClr val="tx1"/>
+              </a:solidFill>
+              <a:effectLst/>
+              <a:latin typeface="Arial" panose="020B0604020202020204" pitchFamily="34" charset="0"/>
+            </a:endParaRPr>
+          </a:p>
+        </p:txBody>
+      </p:sp>
+    </p:spTree>
+    <p:extLst>
+      <p:ext uri="{BB962C8B-B14F-4D97-AF65-F5344CB8AC3E}">
+        <p14:creationId xmlns:p14="http://schemas.microsoft.com/office/powerpoint/2010/main" val="2923772131"/>
+      </p:ext>
+    </p:extLst>
+  </p:cSld>
+  <p:clrMapOvr>
+    <a:masterClrMapping/>
+  </p:clrMapOvr>
+</p:sld>
+</file>
+
+<file path=ppt/slides/slide35.xml><?xml version="1.0" encoding="utf-8"?>
+<p:sld xmlns:a="http://schemas.openxmlformats.org/drawingml/2006/main" xmlns:r="http://schemas.openxmlformats.org/officeDocument/2006/relationships" xmlns:p="http://schemas.openxmlformats.org/presentationml/2006/main">
+  <p:cSld>
+    <p:spTree>
+      <p:nvGrpSpPr>
+        <p:cNvPr id="1" name=""/>
+        <p:cNvGrpSpPr/>
+        <p:nvPr/>
+      </p:nvGrpSpPr>
+      <p:grpSpPr>
+        <a:xfrm>
+          <a:off x="0" y="0"/>
+          <a:ext cx="0" cy="0"/>
+          <a:chOff x="0" y="0"/>
+          <a:chExt cx="0" cy="0"/>
+        </a:xfrm>
+      </p:grpSpPr>
+      <p:sp>
+        <p:nvSpPr>
+          <p:cNvPr id="2" name="Title 1">
+            <a:extLst>
+              <a:ext uri="{FF2B5EF4-FFF2-40B4-BE49-F238E27FC236}">
+                <a16:creationId xmlns:a16="http://schemas.microsoft.com/office/drawing/2014/main" id="{430A1994-4055-1CF1-ECB9-320C69BBCC8F}"/>
+              </a:ext>
+            </a:extLst>
+          </p:cNvPr>
+          <p:cNvSpPr>
+            <a:spLocks noGrp="1"/>
+          </p:cNvSpPr>
+          <p:nvPr>
+            <p:ph type="title"/>
+          </p:nvPr>
+        </p:nvSpPr>
+        <p:spPr>
+          <a:xfrm>
+            <a:off x="838200" y="571500"/>
+            <a:ext cx="10515600" cy="1119188"/>
+          </a:xfrm>
+        </p:spPr>
+        <p:txBody>
+          <a:bodyPr>
+            <a:normAutofit/>
+          </a:bodyPr>
+          <a:lstStyle/>
+          <a:p>
+            <a:r>
+              <a:rPr lang="en-US" sz="3600" b="1" dirty="0"/>
+              <a:t>JPA - Introduction</a:t>
+            </a:r>
+            <a:br>
+              <a:rPr lang="en-US" sz="3600" b="1" dirty="0"/>
+            </a:br>
+            <a:endParaRPr lang="en-US" sz="3600" b="1" dirty="0"/>
+          </a:p>
+        </p:txBody>
+      </p:sp>
+      <p:sp>
+        <p:nvSpPr>
+          <p:cNvPr id="3" name="Content Placeholder 2">
+            <a:extLst>
+              <a:ext uri="{FF2B5EF4-FFF2-40B4-BE49-F238E27FC236}">
+                <a16:creationId xmlns:a16="http://schemas.microsoft.com/office/drawing/2014/main" id="{056B26B9-2ECB-EEBE-E0E4-D02546D1FFF4}"/>
+              </a:ext>
+            </a:extLst>
+          </p:cNvPr>
+          <p:cNvSpPr>
+            <a:spLocks noGrp="1"/>
+          </p:cNvSpPr>
+          <p:nvPr>
+            <p:ph idx="1"/>
+          </p:nvPr>
+        </p:nvSpPr>
+        <p:spPr/>
+        <p:txBody>
+          <a:bodyPr>
+            <a:normAutofit/>
+          </a:bodyPr>
+          <a:lstStyle/>
+          <a:p>
+            <a:pPr marL="0" indent="0" algn="just">
+              <a:buNone/>
+            </a:pPr>
+            <a:r>
+              <a:rPr lang="en-US" sz="3200" dirty="0"/>
+              <a:t>JPA (Java Persistence API) is a Java specification that makes it easier to work with relational databases. It lets you map Java classes (entities) to database tables and manage data using simple APIs instead of writing complex SQL. </a:t>
+            </a:r>
+          </a:p>
+          <a:p>
+            <a:pPr marL="0" indent="0" algn="just">
+              <a:buNone/>
+            </a:pPr>
+            <a:endParaRPr lang="en-US" sz="3200" dirty="0"/>
+          </a:p>
+          <a:p>
+            <a:pPr marL="0" indent="0" algn="just">
+              <a:buNone/>
+            </a:pPr>
+            <a:r>
+              <a:rPr lang="en-US" sz="3200" dirty="0"/>
+              <a:t>In short, JPA acts as a bridge between Java objects and database records, simplifying database operations in Java applications.</a:t>
+            </a:r>
+          </a:p>
+        </p:txBody>
+      </p:sp>
+    </p:spTree>
+    <p:extLst>
+      <p:ext uri="{BB962C8B-B14F-4D97-AF65-F5344CB8AC3E}">
+        <p14:creationId xmlns:p14="http://schemas.microsoft.com/office/powerpoint/2010/main" val="850101856"/>
+      </p:ext>
+    </p:extLst>
+  </p:cSld>
+  <p:clrMapOvr>
+    <a:masterClrMapping/>
+  </p:clrMapOvr>
+</p:sld>
+</file>
+
+<file path=ppt/slides/slide36.xml><?xml version="1.0" encoding="utf-8"?>
+<p:sld xmlns:a="http://schemas.openxmlformats.org/drawingml/2006/main" xmlns:r="http://schemas.openxmlformats.org/officeDocument/2006/relationships" xmlns:p="http://schemas.openxmlformats.org/presentationml/2006/main">
+  <p:cSld>
+    <p:spTree>
+      <p:nvGrpSpPr>
+        <p:cNvPr id="1" name=""/>
+        <p:cNvGrpSpPr/>
+        <p:nvPr/>
+      </p:nvGrpSpPr>
+      <p:grpSpPr>
+        <a:xfrm>
+          <a:off x="0" y="0"/>
+          <a:ext cx="0" cy="0"/>
+          <a:chOff x="0" y="0"/>
+          <a:chExt cx="0" cy="0"/>
+        </a:xfrm>
+      </p:grpSpPr>
+      <p:sp>
+        <p:nvSpPr>
+          <p:cNvPr id="2" name="Title 1">
+            <a:extLst>
+              <a:ext uri="{FF2B5EF4-FFF2-40B4-BE49-F238E27FC236}">
+                <a16:creationId xmlns:a16="http://schemas.microsoft.com/office/drawing/2014/main" id="{B334D687-27A5-FA81-942C-1EF7F9CDA58F}"/>
+              </a:ext>
+            </a:extLst>
+          </p:cNvPr>
+          <p:cNvSpPr>
+            <a:spLocks noGrp="1"/>
+          </p:cNvSpPr>
+          <p:nvPr>
+            <p:ph type="title"/>
+          </p:nvPr>
+        </p:nvSpPr>
+        <p:spPr/>
+        <p:txBody>
+          <a:bodyPr>
+            <a:normAutofit/>
+          </a:bodyPr>
+          <a:lstStyle/>
+          <a:p>
+            <a:r>
+              <a:rPr lang="en-US" sz="3600" b="1" dirty="0"/>
+              <a:t>@GeneratedValue(strategy = </a:t>
+            </a:r>
+            <a:r>
+              <a:rPr lang="en-US" sz="3600" b="1" dirty="0" err="1"/>
+              <a:t>GenerationType</a:t>
+            </a:r>
+            <a:r>
+              <a:rPr lang="en-US" sz="3600" b="1" dirty="0"/>
+              <a:t>.&lt;?&gt;)</a:t>
+            </a:r>
+          </a:p>
+        </p:txBody>
+      </p:sp>
+      <p:sp>
+        <p:nvSpPr>
+          <p:cNvPr id="3" name="Content Placeholder 2">
+            <a:extLst>
+              <a:ext uri="{FF2B5EF4-FFF2-40B4-BE49-F238E27FC236}">
+                <a16:creationId xmlns:a16="http://schemas.microsoft.com/office/drawing/2014/main" id="{A6DDB9C3-8A85-71C6-C593-F4ED1CE2DA4F}"/>
+              </a:ext>
+            </a:extLst>
+          </p:cNvPr>
+          <p:cNvSpPr>
+            <a:spLocks noGrp="1"/>
+          </p:cNvSpPr>
+          <p:nvPr>
+            <p:ph idx="1"/>
+          </p:nvPr>
+        </p:nvSpPr>
+        <p:spPr/>
+        <p:txBody>
+          <a:bodyPr>
+            <a:normAutofit lnSpcReduction="10000"/>
+          </a:bodyPr>
+          <a:lstStyle/>
+          <a:p>
+            <a:pPr algn="just"/>
+            <a:r>
+              <a:rPr lang="en-US" dirty="0"/>
+              <a:t>The annotation @GeneratedValue(strategy = </a:t>
+            </a:r>
+            <a:r>
+              <a:rPr lang="en-US" dirty="0" err="1"/>
+              <a:t>GenerationType</a:t>
+            </a:r>
+            <a:r>
+              <a:rPr lang="en-US" dirty="0"/>
+              <a:t>.&lt;?&gt;) is used in Java Persistence API (JPA) to specify how the primary key of an entity should be automatically generated.</a:t>
+            </a:r>
+          </a:p>
+          <a:p>
+            <a:pPr marL="0" indent="0" algn="just">
+              <a:buNone/>
+            </a:pPr>
+            <a:endParaRPr lang="en-US" dirty="0"/>
+          </a:p>
+          <a:p>
+            <a:pPr marL="0" indent="0" algn="just">
+              <a:buNone/>
+            </a:pPr>
+            <a:r>
+              <a:rPr lang="en-US" b="1" dirty="0"/>
+              <a:t> Common Use Case</a:t>
+            </a:r>
+          </a:p>
+          <a:p>
+            <a:pPr marL="0" indent="0" algn="just">
+              <a:buNone/>
+            </a:pPr>
+            <a:endParaRPr lang="en-US" b="1" dirty="0"/>
+          </a:p>
+          <a:p>
+            <a:pPr algn="just"/>
+            <a:r>
+              <a:rPr lang="en-US" dirty="0"/>
+              <a:t>Used with databases like </a:t>
+            </a:r>
+            <a:r>
+              <a:rPr lang="en-US" b="1" dirty="0"/>
+              <a:t>MySQL</a:t>
+            </a:r>
+            <a:r>
+              <a:rPr lang="en-US" dirty="0"/>
+              <a:t>, </a:t>
+            </a:r>
+            <a:r>
+              <a:rPr lang="en-US" b="1" dirty="0"/>
+              <a:t>PostgreSQL</a:t>
+            </a:r>
+            <a:r>
+              <a:rPr lang="en-US" dirty="0"/>
+              <a:t>, or </a:t>
+            </a:r>
+            <a:r>
+              <a:rPr lang="en-US" b="1" dirty="0"/>
+              <a:t>SQL Server</a:t>
+            </a:r>
+            <a:r>
+              <a:rPr lang="en-US" dirty="0"/>
+              <a:t>, which support auto-incrementing columns.</a:t>
+            </a:r>
+          </a:p>
+          <a:p>
+            <a:pPr algn="just"/>
+            <a:r>
+              <a:rPr lang="en-US" dirty="0"/>
+              <a:t>JPA provides four main strategies for generating primary key values via the @GeneratedValue annotation. </a:t>
+            </a:r>
+          </a:p>
+        </p:txBody>
+      </p:sp>
+    </p:spTree>
+    <p:extLst>
+      <p:ext uri="{BB962C8B-B14F-4D97-AF65-F5344CB8AC3E}">
+        <p14:creationId xmlns:p14="http://schemas.microsoft.com/office/powerpoint/2010/main" val="3828383410"/>
+      </p:ext>
+    </p:extLst>
+  </p:cSld>
+  <p:clrMapOvr>
+    <a:masterClrMapping/>
+  </p:clrMapOvr>
+</p:sld>
+</file>
+
+<file path=ppt/slides/slide37.xml><?xml version="1.0" encoding="utf-8"?>
+<p:sld xmlns:a="http://schemas.openxmlformats.org/drawingml/2006/main" xmlns:r="http://schemas.openxmlformats.org/officeDocument/2006/relationships" xmlns:p="http://schemas.openxmlformats.org/presentationml/2006/main">
+  <p:cSld>
+    <p:spTree>
+      <p:nvGrpSpPr>
+        <p:cNvPr id="1" name=""/>
+        <p:cNvGrpSpPr/>
+        <p:nvPr/>
+      </p:nvGrpSpPr>
+      <p:grpSpPr>
+        <a:xfrm>
+          <a:off x="0" y="0"/>
+          <a:ext cx="0" cy="0"/>
+          <a:chOff x="0" y="0"/>
+          <a:chExt cx="0" cy="0"/>
+        </a:xfrm>
+      </p:grpSpPr>
+      <p:sp>
+        <p:nvSpPr>
+          <p:cNvPr id="2" name="Title 1">
+            <a:extLst>
+              <a:ext uri="{FF2B5EF4-FFF2-40B4-BE49-F238E27FC236}">
+                <a16:creationId xmlns:a16="http://schemas.microsoft.com/office/drawing/2014/main" id="{22FE28EB-BB9F-6361-2EB8-EA49B4E90C7A}"/>
+              </a:ext>
+            </a:extLst>
+          </p:cNvPr>
+          <p:cNvSpPr>
+            <a:spLocks noGrp="1"/>
+          </p:cNvSpPr>
+          <p:nvPr>
+            <p:ph type="title"/>
+          </p:nvPr>
+        </p:nvSpPr>
+        <p:spPr>
+          <a:xfrm>
+            <a:off x="361951" y="365125"/>
+            <a:ext cx="10991849" cy="1325563"/>
+          </a:xfrm>
+        </p:spPr>
+        <p:txBody>
+          <a:bodyPr>
+            <a:normAutofit/>
+          </a:bodyPr>
+          <a:lstStyle/>
+          <a:p>
+            <a:r>
+              <a:rPr lang="en-US" sz="3600" dirty="0"/>
+              <a:t>Here's a breakdown of each </a:t>
+            </a:r>
+            <a:r>
+              <a:rPr lang="en-US" sz="3600" dirty="0" err="1"/>
+              <a:t>GenerationType</a:t>
+            </a:r>
+            <a:r>
+              <a:rPr lang="en-US" sz="3600" dirty="0"/>
+              <a:t>:</a:t>
+            </a:r>
+            <a:br>
+              <a:rPr lang="en-US" sz="3600" dirty="0"/>
+            </a:br>
+            <a:endParaRPr lang="en-US" sz="3600" dirty="0"/>
+          </a:p>
+        </p:txBody>
+      </p:sp>
+      <p:sp>
+        <p:nvSpPr>
+          <p:cNvPr id="3" name="Content Placeholder 2">
+            <a:extLst>
+              <a:ext uri="{FF2B5EF4-FFF2-40B4-BE49-F238E27FC236}">
+                <a16:creationId xmlns:a16="http://schemas.microsoft.com/office/drawing/2014/main" id="{6D8C66CC-EF00-AAE4-D76E-C019C22745FB}"/>
+              </a:ext>
+            </a:extLst>
+          </p:cNvPr>
+          <p:cNvSpPr>
+            <a:spLocks noGrp="1"/>
+          </p:cNvSpPr>
+          <p:nvPr>
+            <p:ph idx="1"/>
+          </p:nvPr>
+        </p:nvSpPr>
+        <p:spPr>
+          <a:xfrm>
+            <a:off x="361951" y="1876425"/>
+            <a:ext cx="11896724" cy="4300538"/>
+          </a:xfrm>
+        </p:spPr>
+        <p:txBody>
+          <a:bodyPr>
+            <a:normAutofit/>
+          </a:bodyPr>
+          <a:lstStyle/>
+          <a:p>
+            <a:r>
+              <a:rPr lang="en-US" b="1" dirty="0" err="1"/>
+              <a:t>GenerationType.IDENTITY</a:t>
+            </a:r>
+            <a:endParaRPr lang="en-US" b="1" dirty="0"/>
+          </a:p>
+          <a:p>
+            <a:pPr marL="0" indent="0">
+              <a:buNone/>
+            </a:pPr>
+            <a:r>
+              <a:rPr lang="en-US" b="1" dirty="0"/>
+              <a:t>	How it works</a:t>
+            </a:r>
+            <a:r>
+              <a:rPr lang="en-US" dirty="0"/>
+              <a:t>: Relies on the database's auto-increment feature.</a:t>
+            </a:r>
+          </a:p>
+          <a:p>
+            <a:pPr marL="0" indent="0">
+              <a:buNone/>
+            </a:pPr>
+            <a:r>
+              <a:rPr lang="en-US" b="1" dirty="0"/>
+              <a:t>	Best for</a:t>
+            </a:r>
+            <a:r>
+              <a:rPr lang="en-US" dirty="0"/>
+              <a:t>: MySQL, SQL Server.</a:t>
+            </a:r>
+          </a:p>
+          <a:p>
+            <a:pPr marL="0" indent="0">
+              <a:buNone/>
+            </a:pPr>
+            <a:endParaRPr lang="en-US" dirty="0"/>
+          </a:p>
+          <a:p>
+            <a:r>
+              <a:rPr lang="en-US" b="1" dirty="0" err="1"/>
+              <a:t>GenerationType.SEQUENCE</a:t>
+            </a:r>
+            <a:endParaRPr lang="en-US" b="1" dirty="0"/>
+          </a:p>
+          <a:p>
+            <a:pPr marL="0" indent="0">
+              <a:buNone/>
+            </a:pPr>
+            <a:r>
+              <a:rPr lang="en-US" b="1" dirty="0"/>
+              <a:t>	How it works</a:t>
+            </a:r>
+            <a:r>
+              <a:rPr lang="en-US" dirty="0"/>
+              <a:t>: Uses a database sequence object to generate unique IDs.</a:t>
+            </a:r>
+          </a:p>
+          <a:p>
+            <a:pPr marL="0" indent="0">
+              <a:buNone/>
+            </a:pPr>
+            <a:r>
+              <a:rPr lang="en-US" b="1" dirty="0"/>
+              <a:t>	Best for</a:t>
+            </a:r>
+            <a:r>
+              <a:rPr lang="en-US" dirty="0"/>
+              <a:t>: Oracle, PostgreSQL.</a:t>
+            </a:r>
+          </a:p>
+          <a:p>
+            <a:endParaRPr lang="en-US" dirty="0"/>
+          </a:p>
+        </p:txBody>
+      </p:sp>
+    </p:spTree>
+    <p:extLst>
+      <p:ext uri="{BB962C8B-B14F-4D97-AF65-F5344CB8AC3E}">
+        <p14:creationId xmlns:p14="http://schemas.microsoft.com/office/powerpoint/2010/main" val="2221462966"/>
+      </p:ext>
+    </p:extLst>
+  </p:cSld>
+  <p:clrMapOvr>
+    <a:masterClrMapping/>
+  </p:clrMapOvr>
+</p:sld>
+</file>
+
+<file path=ppt/slides/slide38.xml><?xml version="1.0" encoding="utf-8"?>
+<p:sld xmlns:a="http://schemas.openxmlformats.org/drawingml/2006/main" xmlns:r="http://schemas.openxmlformats.org/officeDocument/2006/relationships" xmlns:p="http://schemas.openxmlformats.org/presentationml/2006/main">
+  <p:cSld>
+    <p:spTree>
+      <p:nvGrpSpPr>
+        <p:cNvPr id="1" name=""/>
+        <p:cNvGrpSpPr/>
+        <p:nvPr/>
+      </p:nvGrpSpPr>
+      <p:grpSpPr>
+        <a:xfrm>
+          <a:off x="0" y="0"/>
+          <a:ext cx="0" cy="0"/>
+          <a:chOff x="0" y="0"/>
+          <a:chExt cx="0" cy="0"/>
+        </a:xfrm>
+      </p:grpSpPr>
+      <p:sp>
+        <p:nvSpPr>
+          <p:cNvPr id="3" name="Content Placeholder 2">
+            <a:extLst>
+              <a:ext uri="{FF2B5EF4-FFF2-40B4-BE49-F238E27FC236}">
+                <a16:creationId xmlns:a16="http://schemas.microsoft.com/office/drawing/2014/main" id="{E548FDF6-DD17-2115-4E60-A939CEB5374B}"/>
+              </a:ext>
+            </a:extLst>
+          </p:cNvPr>
+          <p:cNvSpPr>
+            <a:spLocks noGrp="1"/>
+          </p:cNvSpPr>
+          <p:nvPr>
+            <p:ph idx="1"/>
+          </p:nvPr>
+        </p:nvSpPr>
+        <p:spPr>
+          <a:xfrm>
+            <a:off x="342899" y="628650"/>
+            <a:ext cx="11572875" cy="6134100"/>
+          </a:xfrm>
+        </p:spPr>
+        <p:txBody>
+          <a:bodyPr>
+            <a:normAutofit/>
+          </a:bodyPr>
+          <a:lstStyle/>
+          <a:p>
+            <a:r>
+              <a:rPr lang="en-US" b="1" dirty="0" err="1"/>
+              <a:t>GenerationType.TABLE</a:t>
+            </a:r>
+            <a:endParaRPr lang="en-US" b="1" dirty="0"/>
+          </a:p>
+          <a:p>
+            <a:pPr marL="0" indent="0">
+              <a:buNone/>
+            </a:pPr>
+            <a:r>
+              <a:rPr lang="en-US" b="1" dirty="0"/>
+              <a:t>	How it works</a:t>
+            </a:r>
+            <a:r>
+              <a:rPr lang="en-US" dirty="0"/>
+              <a:t>: Uses a separate table to maintain and generate primary </a:t>
+            </a:r>
+          </a:p>
+          <a:p>
+            <a:pPr marL="0" indent="0">
+              <a:buNone/>
+            </a:pPr>
+            <a:r>
+              <a:rPr lang="en-US" dirty="0"/>
+              <a:t>	key values.</a:t>
+            </a:r>
+          </a:p>
+          <a:p>
+            <a:pPr marL="0" indent="0">
+              <a:buNone/>
+            </a:pPr>
+            <a:r>
+              <a:rPr lang="en-US" b="1" dirty="0"/>
+              <a:t>	Best for</a:t>
+            </a:r>
+            <a:r>
+              <a:rPr lang="en-US" dirty="0"/>
+              <a:t>: Databases without native sequence or identity support.</a:t>
+            </a:r>
+          </a:p>
+          <a:p>
+            <a:pPr marL="0" indent="0">
+              <a:buNone/>
+            </a:pPr>
+            <a:endParaRPr lang="en-US" dirty="0"/>
+          </a:p>
+          <a:p>
+            <a:r>
+              <a:rPr lang="en-US" b="1" dirty="0" err="1"/>
+              <a:t>GenerationType.AUTO</a:t>
+            </a:r>
+            <a:endParaRPr lang="en-US" b="1" dirty="0"/>
+          </a:p>
+          <a:p>
+            <a:pPr marL="0" indent="0">
+              <a:buNone/>
+            </a:pPr>
+            <a:r>
+              <a:rPr lang="en-US" b="1" dirty="0"/>
+              <a:t>	How it works</a:t>
+            </a:r>
+            <a:r>
+              <a:rPr lang="en-US" dirty="0"/>
+              <a:t>: JPA chooses the most appropriate strategy based on the </a:t>
+            </a:r>
+          </a:p>
+          <a:p>
+            <a:pPr marL="0" indent="0">
+              <a:buNone/>
+            </a:pPr>
+            <a:r>
+              <a:rPr lang="en-US" dirty="0"/>
+              <a:t>	database dialect.</a:t>
+            </a:r>
+          </a:p>
+          <a:p>
+            <a:pPr marL="0" indent="0">
+              <a:buNone/>
+            </a:pPr>
+            <a:r>
+              <a:rPr lang="en-US" b="1" dirty="0"/>
+              <a:t>	Best for</a:t>
+            </a:r>
+            <a:r>
+              <a:rPr lang="en-US" dirty="0"/>
+              <a:t>: General use when you want JPA to decide.</a:t>
+            </a:r>
+          </a:p>
+          <a:p>
+            <a:endParaRPr lang="en-US" dirty="0"/>
+          </a:p>
+        </p:txBody>
+      </p:sp>
+    </p:spTree>
+    <p:extLst>
+      <p:ext uri="{BB962C8B-B14F-4D97-AF65-F5344CB8AC3E}">
+        <p14:creationId xmlns:p14="http://schemas.microsoft.com/office/powerpoint/2010/main" val="3029449908"/>
+      </p:ext>
+    </p:extLst>
+  </p:cSld>
+  <p:clrMapOvr>
+    <a:masterClrMapping/>
+  </p:clrMapOvr>
+</p:sld>
+</file>
+
 <file path=ppt/slides/slide4.xml><?xml version="1.0" encoding="utf-8"?>
 <p:sld xmlns:a="http://schemas.openxmlformats.org/drawingml/2006/main" xmlns:r="http://schemas.openxmlformats.org/officeDocument/2006/relationships" xmlns:p="http://schemas.openxmlformats.org/presentationml/2006/main">
   <p:cSld>
